--- a/Server/2025 졸업작품 중점 연구 주제 선정.pptx
+++ b/Server/2025 졸업작품 중점 연구 주제 선정.pptx
@@ -11,7 +11,8 @@
     <p:sldId id="263" r:id="rId5"/>
     <p:sldId id="264" r:id="rId6"/>
     <p:sldId id="265" r:id="rId7"/>
-    <p:sldId id="266" r:id="rId8"/>
+    <p:sldId id="267" r:id="rId8"/>
+    <p:sldId id="266" r:id="rId9"/>
   </p:sldIdLst>
   <p:sldSz cx="12192000" cy="6858000"/>
   <p:notesSz cx="6858000" cy="9144000"/>
@@ -7028,7 +7029,7 @@
           <a:p>
             <a:r>
               <a:rPr lang="ko-KR" altLang="en-US" dirty="0"/>
-              <a:t>서버 부하 분산</a:t>
+              <a:t>추가 목표</a:t>
             </a:r>
           </a:p>
         </p:txBody>
@@ -7253,16 +7254,427 @@
           <a:bodyPr/>
           <a:lstStyle/>
           <a:p>
+            <a:pPr marL="0" indent="0">
+              <a:buNone/>
+            </a:pPr>
+            <a:r>
+              <a:rPr lang="ko-KR" altLang="en-US" dirty="0"/>
+              <a:t>원래 연구주제로 하려 하였으나 미뤄진 요소들</a:t>
+            </a:r>
+            <a:endParaRPr lang="en-US" altLang="ko-KR" dirty="0"/>
+          </a:p>
+          <a:p>
+            <a:pPr marL="0" indent="0">
+              <a:buNone/>
+            </a:pPr>
+            <a:endParaRPr lang="en-US" altLang="ko-KR" dirty="0"/>
+          </a:p>
+          <a:p>
+            <a:pPr>
+              <a:buFontTx/>
+              <a:buChar char="-"/>
+            </a:pPr>
+            <a:r>
+              <a:rPr lang="ko-KR" altLang="en-US" dirty="0" err="1"/>
+              <a:t>데드</a:t>
+            </a:r>
+            <a:r>
+              <a:rPr lang="ko-KR" altLang="en-US" dirty="0"/>
+              <a:t> </a:t>
+            </a:r>
+            <a:r>
+              <a:rPr lang="ko-KR" altLang="en-US" dirty="0" err="1"/>
+              <a:t>레커닝</a:t>
+            </a:r>
+            <a:r>
+              <a:rPr lang="ko-KR" altLang="en-US" dirty="0"/>
+              <a:t> 알고리즘에 의한 부드러운 움직임 연출</a:t>
+            </a:r>
+            <a:endParaRPr lang="en-US" altLang="ko-KR" dirty="0"/>
+          </a:p>
+          <a:p>
+            <a:pPr>
+              <a:buFontTx/>
+              <a:buChar char="-"/>
+            </a:pPr>
+            <a:r>
+              <a:rPr lang="ko-KR" altLang="en-US" dirty="0"/>
+              <a:t>효율적인 데이터 베이스의 관리 및 활용</a:t>
+            </a:r>
+            <a:endParaRPr lang="en-US" altLang="ko-KR" dirty="0"/>
+          </a:p>
+          <a:p>
+            <a:pPr>
+              <a:buFontTx/>
+              <a:buChar char="-"/>
+            </a:pPr>
+            <a:r>
+              <a:rPr lang="ko-KR" altLang="en-US" dirty="0" err="1"/>
+              <a:t>멀티쓰레드</a:t>
+            </a:r>
+            <a:r>
+              <a:rPr lang="ko-KR" altLang="en-US" dirty="0"/>
+              <a:t> 프로그래밍을 이용한 성능향상</a:t>
+            </a:r>
+            <a:endParaRPr lang="en-US" altLang="ko-KR" dirty="0"/>
+          </a:p>
+        </p:txBody>
+      </p:sp>
+    </p:spTree>
+    <p:extLst>
+      <p:ext uri="{BB962C8B-B14F-4D97-AF65-F5344CB8AC3E}">
+        <p14:creationId xmlns:p14="http://schemas.microsoft.com/office/powerpoint/2010/main" val="2209678849"/>
+      </p:ext>
+    </p:extLst>
+  </p:cSld>
+  <p:clrMapOvr>
+    <a:masterClrMapping/>
+  </p:clrMapOvr>
+</p:sld>
+</file>
+
+<file path=ppt/slides/slide8.xml><?xml version="1.0" encoding="utf-8"?>
+<p:sld xmlns:a="http://schemas.openxmlformats.org/drawingml/2006/main" xmlns:r="http://schemas.openxmlformats.org/officeDocument/2006/relationships" xmlns:p="http://schemas.openxmlformats.org/presentationml/2006/main">
+  <p:cSld>
+    <p:spTree>
+      <p:nvGrpSpPr>
+        <p:cNvPr id="1" name=""/>
+        <p:cNvGrpSpPr/>
+        <p:nvPr/>
+      </p:nvGrpSpPr>
+      <p:grpSpPr>
+        <a:xfrm>
+          <a:off x="0" y="0"/>
+          <a:ext cx="0" cy="0"/>
+          <a:chOff x="0" y="0"/>
+          <a:chExt cx="0" cy="0"/>
+        </a:xfrm>
+      </p:grpSpPr>
+      <p:sp>
+        <p:nvSpPr>
+          <p:cNvPr id="4" name="직사각형 3">
+            <a:extLst>
+              <a:ext uri="{FF2B5EF4-FFF2-40B4-BE49-F238E27FC236}">
+                <a16:creationId xmlns:a16="http://schemas.microsoft.com/office/drawing/2014/main" id="{5A61402E-C74E-9FA7-BD72-EE76DD64C74F}"/>
+              </a:ext>
+            </a:extLst>
+          </p:cNvPr>
+          <p:cNvSpPr/>
+          <p:nvPr/>
+        </p:nvSpPr>
+        <p:spPr>
+          <a:xfrm>
+            <a:off x="0" y="0"/>
+            <a:ext cx="12192000" cy="6858000"/>
+          </a:xfrm>
+          <a:prstGeom prst="rect">
+            <a:avLst/>
+          </a:prstGeom>
+          <a:gradFill>
+            <a:gsLst>
+              <a:gs pos="0">
+                <a:schemeClr val="accent1">
+                  <a:lumMod val="5000"/>
+                  <a:lumOff val="95000"/>
+                </a:schemeClr>
+              </a:gs>
+              <a:gs pos="100000">
+                <a:schemeClr val="accent1">
+                  <a:lumMod val="30000"/>
+                  <a:lumOff val="70000"/>
+                </a:schemeClr>
+              </a:gs>
+            </a:gsLst>
+            <a:lin ang="5400000" scaled="1"/>
+          </a:gradFill>
+        </p:spPr>
+        <p:style>
+          <a:lnRef idx="2">
+            <a:schemeClr val="accent1">
+              <a:shade val="15000"/>
+            </a:schemeClr>
+          </a:lnRef>
+          <a:fillRef idx="1">
+            <a:schemeClr val="accent1"/>
+          </a:fillRef>
+          <a:effectRef idx="0">
+            <a:schemeClr val="accent1"/>
+          </a:effectRef>
+          <a:fontRef idx="minor">
+            <a:schemeClr val="lt1"/>
+          </a:fontRef>
+        </p:style>
+        <p:txBody>
+          <a:bodyPr rtlCol="0" anchor="ctr"/>
+          <a:lstStyle/>
+          <a:p>
+            <a:pPr algn="ctr"/>
+            <a:endParaRPr lang="ko-KR" altLang="en-US"/>
+          </a:p>
+        </p:txBody>
+      </p:sp>
+      <p:sp>
+        <p:nvSpPr>
+          <p:cNvPr id="2" name="제목 1">
+            <a:extLst>
+              <a:ext uri="{FF2B5EF4-FFF2-40B4-BE49-F238E27FC236}">
+                <a16:creationId xmlns:a16="http://schemas.microsoft.com/office/drawing/2014/main" id="{F41711A1-0B48-5311-D071-5092226663F2}"/>
+              </a:ext>
+            </a:extLst>
+          </p:cNvPr>
+          <p:cNvSpPr>
+            <a:spLocks noGrp="1"/>
+          </p:cNvSpPr>
+          <p:nvPr>
+            <p:ph type="title"/>
+          </p:nvPr>
+        </p:nvSpPr>
+        <p:spPr/>
+        <p:txBody>
+          <a:bodyPr/>
+          <a:lstStyle/>
+          <a:p>
             <a:r>
               <a:rPr lang="ko-KR" altLang="en-US" dirty="0"/>
               <a:t>정보 출처</a:t>
             </a:r>
             <a:endParaRPr lang="en-US" altLang="ko-KR" dirty="0"/>
           </a:p>
-          <a:p>
+        </p:txBody>
+      </p:sp>
+      <p:sp>
+        <p:nvSpPr>
+          <p:cNvPr id="5" name="내용 개체 틀 2">
+            <a:extLst>
+              <a:ext uri="{FF2B5EF4-FFF2-40B4-BE49-F238E27FC236}">
+                <a16:creationId xmlns:a16="http://schemas.microsoft.com/office/drawing/2014/main" id="{0E3D1966-1374-FFE6-691E-A9CB2A69C296}"/>
+              </a:ext>
+            </a:extLst>
+          </p:cNvPr>
+          <p:cNvSpPr txBox="1">
+            <a:spLocks/>
+          </p:cNvSpPr>
+          <p:nvPr/>
+        </p:nvSpPr>
+        <p:spPr>
+          <a:xfrm>
+            <a:off x="5626395" y="1822450"/>
+            <a:ext cx="5069958" cy="4351338"/>
+          </a:xfrm>
+          <a:prstGeom prst="rect">
+            <a:avLst/>
+          </a:prstGeom>
+        </p:spPr>
+        <p:txBody>
+          <a:bodyPr vert="horz" lIns="91440" tIns="45720" rIns="91440" bIns="45720" rtlCol="0">
+            <a:normAutofit/>
+          </a:bodyPr>
+          <a:lstStyle>
+            <a:lvl1pPr marL="228600" indent="-228600" algn="l" defTabSz="914400" rtl="0" eaLnBrk="1" latinLnBrk="1" hangingPunct="1">
+              <a:lnSpc>
+                <a:spcPct val="90000"/>
+              </a:lnSpc>
+              <a:spcBef>
+                <a:spcPts val="1000"/>
+              </a:spcBef>
+              <a:buFont typeface="Arial" panose="020B0604020202020204" pitchFamily="34" charset="0"/>
+              <a:buChar char="•"/>
+              <a:defRPr sz="2800" kern="1200">
+                <a:solidFill>
+                  <a:schemeClr val="tx1"/>
+                </a:solidFill>
+                <a:latin typeface="+mn-lt"/>
+                <a:ea typeface="+mn-ea"/>
+                <a:cs typeface="+mn-cs"/>
+              </a:defRPr>
+            </a:lvl1pPr>
+            <a:lvl2pPr marL="685800" indent="-228600" algn="l" defTabSz="914400" rtl="0" eaLnBrk="1" latinLnBrk="1" hangingPunct="1">
+              <a:lnSpc>
+                <a:spcPct val="90000"/>
+              </a:lnSpc>
+              <a:spcBef>
+                <a:spcPts val="500"/>
+              </a:spcBef>
+              <a:buFont typeface="Arial" panose="020B0604020202020204" pitchFamily="34" charset="0"/>
+              <a:buChar char="•"/>
+              <a:defRPr sz="2400" kern="1200">
+                <a:solidFill>
+                  <a:schemeClr val="tx1"/>
+                </a:solidFill>
+                <a:latin typeface="+mn-lt"/>
+                <a:ea typeface="+mn-ea"/>
+                <a:cs typeface="+mn-cs"/>
+              </a:defRPr>
+            </a:lvl2pPr>
+            <a:lvl3pPr marL="1143000" indent="-228600" algn="l" defTabSz="914400" rtl="0" eaLnBrk="1" latinLnBrk="1" hangingPunct="1">
+              <a:lnSpc>
+                <a:spcPct val="90000"/>
+              </a:lnSpc>
+              <a:spcBef>
+                <a:spcPts val="500"/>
+              </a:spcBef>
+              <a:buFont typeface="Arial" panose="020B0604020202020204" pitchFamily="34" charset="0"/>
+              <a:buChar char="•"/>
+              <a:defRPr sz="2000" kern="1200">
+                <a:solidFill>
+                  <a:schemeClr val="tx1"/>
+                </a:solidFill>
+                <a:latin typeface="+mn-lt"/>
+                <a:ea typeface="+mn-ea"/>
+                <a:cs typeface="+mn-cs"/>
+              </a:defRPr>
+            </a:lvl3pPr>
+            <a:lvl4pPr marL="1600200" indent="-228600" algn="l" defTabSz="914400" rtl="0" eaLnBrk="1" latinLnBrk="1" hangingPunct="1">
+              <a:lnSpc>
+                <a:spcPct val="90000"/>
+              </a:lnSpc>
+              <a:spcBef>
+                <a:spcPts val="500"/>
+              </a:spcBef>
+              <a:buFont typeface="Arial" panose="020B0604020202020204" pitchFamily="34" charset="0"/>
+              <a:buChar char="•"/>
+              <a:defRPr sz="1800" kern="1200">
+                <a:solidFill>
+                  <a:schemeClr val="tx1"/>
+                </a:solidFill>
+                <a:latin typeface="+mn-lt"/>
+                <a:ea typeface="+mn-ea"/>
+                <a:cs typeface="+mn-cs"/>
+              </a:defRPr>
+            </a:lvl4pPr>
+            <a:lvl5pPr marL="2057400" indent="-228600" algn="l" defTabSz="914400" rtl="0" eaLnBrk="1" latinLnBrk="1" hangingPunct="1">
+              <a:lnSpc>
+                <a:spcPct val="90000"/>
+              </a:lnSpc>
+              <a:spcBef>
+                <a:spcPts val="500"/>
+              </a:spcBef>
+              <a:buFont typeface="Arial" panose="020B0604020202020204" pitchFamily="34" charset="0"/>
+              <a:buChar char="•"/>
+              <a:defRPr sz="1800" kern="1200">
+                <a:solidFill>
+                  <a:schemeClr val="tx1"/>
+                </a:solidFill>
+                <a:latin typeface="+mn-lt"/>
+                <a:ea typeface="+mn-ea"/>
+                <a:cs typeface="+mn-cs"/>
+              </a:defRPr>
+            </a:lvl5pPr>
+            <a:lvl6pPr marL="2514600" indent="-228600" algn="l" defTabSz="914400" rtl="0" eaLnBrk="1" latinLnBrk="1" hangingPunct="1">
+              <a:lnSpc>
+                <a:spcPct val="90000"/>
+              </a:lnSpc>
+              <a:spcBef>
+                <a:spcPts val="500"/>
+              </a:spcBef>
+              <a:buFont typeface="Arial" panose="020B0604020202020204" pitchFamily="34" charset="0"/>
+              <a:buChar char="•"/>
+              <a:defRPr sz="1800" kern="1200">
+                <a:solidFill>
+                  <a:schemeClr val="tx1"/>
+                </a:solidFill>
+                <a:latin typeface="+mn-lt"/>
+                <a:ea typeface="+mn-ea"/>
+                <a:cs typeface="+mn-cs"/>
+              </a:defRPr>
+            </a:lvl6pPr>
+            <a:lvl7pPr marL="2971800" indent="-228600" algn="l" defTabSz="914400" rtl="0" eaLnBrk="1" latinLnBrk="1" hangingPunct="1">
+              <a:lnSpc>
+                <a:spcPct val="90000"/>
+              </a:lnSpc>
+              <a:spcBef>
+                <a:spcPts val="500"/>
+              </a:spcBef>
+              <a:buFont typeface="Arial" panose="020B0604020202020204" pitchFamily="34" charset="0"/>
+              <a:buChar char="•"/>
+              <a:defRPr sz="1800" kern="1200">
+                <a:solidFill>
+                  <a:schemeClr val="tx1"/>
+                </a:solidFill>
+                <a:latin typeface="+mn-lt"/>
+                <a:ea typeface="+mn-ea"/>
+                <a:cs typeface="+mn-cs"/>
+              </a:defRPr>
+            </a:lvl7pPr>
+            <a:lvl8pPr marL="3429000" indent="-228600" algn="l" defTabSz="914400" rtl="0" eaLnBrk="1" latinLnBrk="1" hangingPunct="1">
+              <a:lnSpc>
+                <a:spcPct val="90000"/>
+              </a:lnSpc>
+              <a:spcBef>
+                <a:spcPts val="500"/>
+              </a:spcBef>
+              <a:buFont typeface="Arial" panose="020B0604020202020204" pitchFamily="34" charset="0"/>
+              <a:buChar char="•"/>
+              <a:defRPr sz="1800" kern="1200">
+                <a:solidFill>
+                  <a:schemeClr val="tx1"/>
+                </a:solidFill>
+                <a:latin typeface="+mn-lt"/>
+                <a:ea typeface="+mn-ea"/>
+                <a:cs typeface="+mn-cs"/>
+              </a:defRPr>
+            </a:lvl8pPr>
+            <a:lvl9pPr marL="3886200" indent="-228600" algn="l" defTabSz="914400" rtl="0" eaLnBrk="1" latinLnBrk="1" hangingPunct="1">
+              <a:lnSpc>
+                <a:spcPct val="90000"/>
+              </a:lnSpc>
+              <a:spcBef>
+                <a:spcPts val="500"/>
+              </a:spcBef>
+              <a:buFont typeface="Arial" panose="020B0604020202020204" pitchFamily="34" charset="0"/>
+              <a:buChar char="•"/>
+              <a:defRPr sz="1800" kern="1200">
+                <a:solidFill>
+                  <a:schemeClr val="tx1"/>
+                </a:solidFill>
+                <a:latin typeface="+mn-lt"/>
+                <a:ea typeface="+mn-ea"/>
+                <a:cs typeface="+mn-cs"/>
+              </a:defRPr>
+            </a:lvl9pPr>
+          </a:lstStyle>
+          <a:p>
+            <a:pPr marL="0" indent="0">
+              <a:buNone/>
+            </a:pPr>
+            <a:endParaRPr lang="ko-KR" altLang="en-US" dirty="0"/>
+          </a:p>
+        </p:txBody>
+      </p:sp>
+      <p:sp>
+        <p:nvSpPr>
+          <p:cNvPr id="9" name="내용 개체 틀 8">
+            <a:extLst>
+              <a:ext uri="{FF2B5EF4-FFF2-40B4-BE49-F238E27FC236}">
+                <a16:creationId xmlns:a16="http://schemas.microsoft.com/office/drawing/2014/main" id="{C8D8DFFB-21A3-D86E-7AE3-D9FE9D8E2335}"/>
+              </a:ext>
+            </a:extLst>
+          </p:cNvPr>
+          <p:cNvSpPr>
+            <a:spLocks noGrp="1"/>
+          </p:cNvSpPr>
+          <p:nvPr>
+            <p:ph idx="1"/>
+          </p:nvPr>
+        </p:nvSpPr>
+        <p:spPr/>
+        <p:txBody>
+          <a:bodyPr/>
+          <a:lstStyle/>
+          <a:p>
+            <a:pPr marL="0" indent="0">
+              <a:buNone/>
+            </a:pPr>
             <a:endParaRPr lang="en-US" altLang="ko-KR" dirty="0"/>
           </a:p>
           <a:p>
+            <a:pPr marL="0" indent="0">
+              <a:buNone/>
+            </a:pPr>
+            <a:r>
+              <a:rPr lang="en-US" altLang="ko-KR" dirty="0"/>
+              <a:t>-</a:t>
+            </a:r>
             <a:r>
               <a:rPr lang="ko-KR" altLang="en-US" dirty="0" err="1"/>
               <a:t>김순곤</a:t>
@@ -7289,6 +7701,13 @@
             </a:r>
           </a:p>
           <a:p>
+            <a:pPr marL="0" indent="0">
+              <a:buNone/>
+            </a:pPr>
+            <a:r>
+              <a:rPr lang="en-US" altLang="ko-KR" dirty="0"/>
+              <a:t>-</a:t>
+            </a:r>
             <a:r>
               <a:rPr lang="ko-KR" altLang="en-US" dirty="0" err="1"/>
               <a:t>서윤환</a:t>
@@ -7331,6 +7750,13 @@
             </a:r>
           </a:p>
           <a:p>
+            <a:pPr marL="0" indent="0">
+              <a:buNone/>
+            </a:pPr>
+            <a:r>
+              <a:rPr lang="en-US" altLang="ko-KR" dirty="0"/>
+              <a:t>-</a:t>
+            </a:r>
             <a:r>
               <a:rPr lang="ko-KR" altLang="en-US" dirty="0" err="1"/>
               <a:t>정내훈</a:t>

--- a/Server/2025 졸업작품 중점 연구 주제 선정.pptx
+++ b/Server/2025 졸업작품 중점 연구 주제 선정.pptx
@@ -7,12 +7,13 @@
   <p:sldIdLst>
     <p:sldId id="257" r:id="rId2"/>
     <p:sldId id="259" r:id="rId3"/>
-    <p:sldId id="260" r:id="rId4"/>
-    <p:sldId id="263" r:id="rId5"/>
-    <p:sldId id="264" r:id="rId6"/>
-    <p:sldId id="265" r:id="rId7"/>
-    <p:sldId id="267" r:id="rId8"/>
-    <p:sldId id="266" r:id="rId9"/>
+    <p:sldId id="268" r:id="rId4"/>
+    <p:sldId id="260" r:id="rId5"/>
+    <p:sldId id="263" r:id="rId6"/>
+    <p:sldId id="264" r:id="rId7"/>
+    <p:sldId id="265" r:id="rId8"/>
+    <p:sldId id="267" r:id="rId9"/>
+    <p:sldId id="266" r:id="rId10"/>
   </p:sldIdLst>
   <p:sldSz cx="12192000" cy="6858000"/>
   <p:notesSz cx="6858000" cy="9144000"/>
@@ -4315,11 +4316,16 @@
           <a:p>
             <a:r>
               <a:rPr lang="ko-KR" altLang="en-US" dirty="0"/>
-              <a:t>섹터의 크기 증가</a:t>
-            </a:r>
-            <a:endParaRPr lang="en-US" altLang="ko-KR" dirty="0"/>
-          </a:p>
-          <a:p>
+              <a:t>섹터로 </a:t>
+            </a:r>
+            <a:r>
+              <a:rPr lang="ko-KR" altLang="en-US" dirty="0" err="1"/>
+              <a:t>나눌때</a:t>
+            </a:r>
+            <a:r>
+              <a:rPr lang="ko-KR" altLang="en-US" dirty="0"/>
+              <a:t> 부하는 주는 요소들</a:t>
+            </a:r>
             <a:endParaRPr lang="en-US" altLang="ko-KR" dirty="0"/>
           </a:p>
           <a:p>
@@ -4331,12 +4337,8 @@
               <a:t>-</a:t>
             </a:r>
             <a:r>
-              <a:rPr lang="ko-KR" altLang="en-US" dirty="0" err="1"/>
-              <a:t>관리해야할</a:t>
-            </a:r>
-            <a:r>
               <a:rPr lang="ko-KR" altLang="en-US" dirty="0"/>
-              <a:t> 섹터의 개수 감소</a:t>
+              <a:t>섹터 내에서의 상호작용</a:t>
             </a:r>
             <a:endParaRPr lang="en-US" altLang="ko-KR" dirty="0"/>
           </a:p>
@@ -4350,7 +4352,7 @@
             </a:r>
             <a:r>
               <a:rPr lang="ko-KR" altLang="en-US" dirty="0"/>
-              <a:t>섹터단위의 이동 호출 감소</a:t>
+              <a:t>섹터 외부로의 상호작용</a:t>
             </a:r>
             <a:endParaRPr lang="en-US" altLang="ko-KR" dirty="0"/>
           </a:p>
@@ -4363,22 +4365,25 @@
               <a:t>-</a:t>
             </a:r>
             <a:r>
-              <a:rPr lang="ko-KR" altLang="en-US" dirty="0" err="1"/>
-              <a:t>이웃섹터의</a:t>
-            </a:r>
-            <a:r>
               <a:rPr lang="ko-KR" altLang="en-US" dirty="0"/>
-              <a:t> 범위 감소</a:t>
-            </a:r>
+              <a:t>섹터 사이의 이동</a:t>
+            </a:r>
+            <a:endParaRPr lang="en-US" altLang="ko-KR" dirty="0"/>
+          </a:p>
+          <a:p>
+            <a:pPr marL="0" indent="0">
+              <a:buNone/>
+            </a:pPr>
+            <a:endParaRPr lang="ko-KR" altLang="en-US" dirty="0"/>
           </a:p>
         </p:txBody>
       </p:sp>
       <p:graphicFrame>
         <p:nvGraphicFramePr>
-          <p:cNvPr id="3" name="표 2">
-            <a:extLst>
-              <a:ext uri="{FF2B5EF4-FFF2-40B4-BE49-F238E27FC236}">
-                <a16:creationId xmlns:a16="http://schemas.microsoft.com/office/drawing/2014/main" id="{D30C8FBC-F3B9-6C30-2A9C-2DA231F98272}"/>
+          <p:cNvPr id="6" name="표 5">
+            <a:extLst>
+              <a:ext uri="{FF2B5EF4-FFF2-40B4-BE49-F238E27FC236}">
+                <a16:creationId xmlns:a16="http://schemas.microsoft.com/office/drawing/2014/main" id="{5A18CB46-4544-7CB8-DC63-2ECD7DB847E6}"/>
               </a:ext>
             </a:extLst>
           </p:cNvPr>
@@ -4388,14 +4393,14 @@
           <p:nvPr>
             <p:extLst>
               <p:ext uri="{D42A27DB-BD31-4B8C-83A1-F6EECF244321}">
-                <p14:modId xmlns:p14="http://schemas.microsoft.com/office/powerpoint/2010/main" val="2988480209"/>
+                <p14:modId xmlns:p14="http://schemas.microsoft.com/office/powerpoint/2010/main" val="331119394"/>
               </p:ext>
             </p:extLst>
           </p:nvPr>
         </p:nvGraphicFramePr>
         <p:xfrm>
-          <a:off x="6261772" y="1297172"/>
-          <a:ext cx="5420751" cy="4479849"/>
+          <a:off x="6797748" y="1984744"/>
+          <a:ext cx="4975152" cy="4508131"/>
         </p:xfrm>
         <a:graphic>
           <a:graphicData uri="http://schemas.openxmlformats.org/drawingml/2006/table">
@@ -4404,79 +4409,69 @@
                 <a:tableStyleId>{5C22544A-7EE6-4342-B048-85BDC9FD1C3A}</a:tableStyleId>
               </a:tblPr>
               <a:tblGrid>
-                <a:gridCol w="1806917">
+                <a:gridCol w="2487576">
                   <a:extLst>
                     <a:ext uri="{9D8B030D-6E8A-4147-A177-3AD203B41FA5}">
-                      <a16:colId xmlns:a16="http://schemas.microsoft.com/office/drawing/2014/main" val="2430840716"/>
+                      <a16:colId xmlns:a16="http://schemas.microsoft.com/office/drawing/2014/main" val="456804264"/>
                     </a:ext>
                   </a:extLst>
                 </a:gridCol>
-                <a:gridCol w="1806917">
+                <a:gridCol w="2487576">
                   <a:extLst>
                     <a:ext uri="{9D8B030D-6E8A-4147-A177-3AD203B41FA5}">
-                      <a16:colId xmlns:a16="http://schemas.microsoft.com/office/drawing/2014/main" val="2295954040"/>
-                    </a:ext>
-                  </a:extLst>
-                </a:gridCol>
-                <a:gridCol w="1806917">
-                  <a:extLst>
-                    <a:ext uri="{9D8B030D-6E8A-4147-A177-3AD203B41FA5}">
-                      <a16:colId xmlns:a16="http://schemas.microsoft.com/office/drawing/2014/main" val="4068109016"/>
+                      <a16:colId xmlns:a16="http://schemas.microsoft.com/office/drawing/2014/main" val="2367452558"/>
                     </a:ext>
                   </a:extLst>
                 </a:gridCol>
               </a:tblGrid>
-              <a:tr h="1493283">
+              <a:tr h="4508131">
                 <a:tc>
                   <a:txBody>
                     <a:bodyPr/>
                     <a:lstStyle/>
                     <a:p>
-                      <a:pPr algn="ctr" latinLnBrk="1"/>
-                      <a:endParaRPr lang="en-US" altLang="ko-KR" b="1" dirty="0"/>
-                    </a:p>
-                    <a:p>
-                      <a:pPr algn="ctr" latinLnBrk="1"/>
-                      <a:endParaRPr lang="en-US" altLang="ko-KR" b="1" dirty="0"/>
+                      <a:pPr latinLnBrk="1"/>
+                      <a:endParaRPr lang="en-US" altLang="ko-KR" dirty="0"/>
+                    </a:p>
+                    <a:p>
+                      <a:pPr latinLnBrk="1"/>
+                      <a:endParaRPr lang="en-US" altLang="ko-KR" dirty="0"/>
+                    </a:p>
+                    <a:p>
+                      <a:pPr latinLnBrk="1"/>
+                      <a:endParaRPr lang="en-US" altLang="ko-KR" dirty="0"/>
+                    </a:p>
+                    <a:p>
+                      <a:pPr latinLnBrk="1"/>
+                      <a:endParaRPr lang="en-US" altLang="ko-KR" dirty="0"/>
+                    </a:p>
+                    <a:p>
+                      <a:pPr latinLnBrk="1"/>
+                      <a:endParaRPr lang="en-US" altLang="ko-KR" dirty="0"/>
+                    </a:p>
+                    <a:p>
+                      <a:pPr latinLnBrk="1"/>
+                      <a:endParaRPr lang="en-US" altLang="ko-KR" dirty="0"/>
+                    </a:p>
+                    <a:p>
+                      <a:pPr latinLnBrk="1"/>
+                      <a:endParaRPr lang="en-US" altLang="ko-KR" dirty="0"/>
+                    </a:p>
+                    <a:p>
+                      <a:pPr latinLnBrk="1"/>
+                      <a:endParaRPr lang="en-US" altLang="ko-KR" dirty="0"/>
                     </a:p>
                     <a:p>
                       <a:pPr algn="ctr" latinLnBrk="1"/>
                       <a:r>
-                        <a:rPr lang="en-US" altLang="ko-KR" b="1" dirty="0"/>
-                        <a:t>1</a:t>
-                      </a:r>
-                      <a:endParaRPr lang="ko-KR" altLang="en-US" b="1" dirty="0"/>
-                    </a:p>
-                  </a:txBody>
-                  <a:tcPr>
-                    <a:solidFill>
-                      <a:schemeClr val="tx1"/>
-                    </a:solidFill>
-                  </a:tcPr>
-                </a:tc>
-                <a:tc>
-                  <a:txBody>
-                    <a:bodyPr/>
-                    <a:lstStyle/>
-                    <a:p>
-                      <a:pPr algn="ctr" latinLnBrk="1"/>
-                      <a:endParaRPr lang="en-US" altLang="ko-KR" b="1" dirty="0"/>
-                    </a:p>
-                    <a:p>
-                      <a:pPr algn="ctr" latinLnBrk="1"/>
-                      <a:endParaRPr lang="en-US" altLang="ko-KR" b="1" dirty="0"/>
-                    </a:p>
-                    <a:p>
-                      <a:pPr algn="ctr" latinLnBrk="1"/>
-                      <a:r>
-                        <a:rPr lang="en-US" altLang="ko-KR" b="1" dirty="0">
+                        <a:rPr lang="en-US" altLang="ko-KR" dirty="0">
                           <a:solidFill>
                             <a:schemeClr val="tx1"/>
                           </a:solidFill>
                         </a:rPr>
-                        <a:t>2</a:t>
+                        <a:t>A</a:t>
                       </a:r>
-                      <a:endParaRPr lang="ko-KR" altLang="en-US" b="1" dirty="0">
+                      <a:endParaRPr lang="ko-KR" altLang="en-US" dirty="0">
                         <a:solidFill>
                           <a:schemeClr val="tx1"/>
                         </a:solidFill>
@@ -4494,24 +4489,48 @@
                     <a:bodyPr/>
                     <a:lstStyle/>
                     <a:p>
-                      <a:pPr algn="ctr" latinLnBrk="1"/>
-                      <a:endParaRPr lang="en-US" altLang="ko-KR" b="1" dirty="0"/>
-                    </a:p>
-                    <a:p>
-                      <a:pPr algn="ctr" latinLnBrk="1"/>
-                      <a:endParaRPr lang="en-US" altLang="ko-KR" b="1" dirty="0"/>
+                      <a:pPr latinLnBrk="1"/>
+                      <a:endParaRPr lang="en-US" altLang="ko-KR" dirty="0"/>
+                    </a:p>
+                    <a:p>
+                      <a:pPr latinLnBrk="1"/>
+                      <a:endParaRPr lang="en-US" altLang="ko-KR" dirty="0"/>
+                    </a:p>
+                    <a:p>
+                      <a:pPr latinLnBrk="1"/>
+                      <a:endParaRPr lang="en-US" altLang="ko-KR" dirty="0"/>
+                    </a:p>
+                    <a:p>
+                      <a:pPr latinLnBrk="1"/>
+                      <a:endParaRPr lang="en-US" altLang="ko-KR" dirty="0"/>
+                    </a:p>
+                    <a:p>
+                      <a:pPr latinLnBrk="1"/>
+                      <a:endParaRPr lang="en-US" altLang="ko-KR" dirty="0"/>
+                    </a:p>
+                    <a:p>
+                      <a:pPr latinLnBrk="1"/>
+                      <a:endParaRPr lang="en-US" altLang="ko-KR" dirty="0"/>
+                    </a:p>
+                    <a:p>
+                      <a:pPr latinLnBrk="1"/>
+                      <a:endParaRPr lang="en-US" altLang="ko-KR" dirty="0"/>
+                    </a:p>
+                    <a:p>
+                      <a:pPr latinLnBrk="1"/>
+                      <a:endParaRPr lang="en-US" altLang="ko-KR" dirty="0"/>
                     </a:p>
                     <a:p>
                       <a:pPr algn="ctr" latinLnBrk="1"/>
                       <a:r>
-                        <a:rPr lang="en-US" altLang="ko-KR" b="1" dirty="0">
+                        <a:rPr lang="en-US" altLang="ko-KR" dirty="0">
                           <a:solidFill>
                             <a:schemeClr val="bg1"/>
                           </a:solidFill>
                         </a:rPr>
-                        <a:t>3</a:t>
+                        <a:t>B</a:t>
                       </a:r>
-                      <a:endParaRPr lang="ko-KR" altLang="en-US" b="1" dirty="0">
+                      <a:endParaRPr lang="ko-KR" altLang="en-US" dirty="0">
                         <a:solidFill>
                           <a:schemeClr val="bg1"/>
                         </a:solidFill>
@@ -4526,215 +4545,7 @@
                 </a:tc>
                 <a:extLst>
                   <a:ext uri="{0D108BD9-81ED-4DB2-BD59-A6C34878D82A}">
-                    <a16:rowId xmlns:a16="http://schemas.microsoft.com/office/drawing/2014/main" val="3972990439"/>
-                  </a:ext>
-                </a:extLst>
-              </a:tr>
-              <a:tr h="1493283">
-                <a:tc>
-                  <a:txBody>
-                    <a:bodyPr/>
-                    <a:lstStyle/>
-                    <a:p>
-                      <a:pPr algn="ctr" latinLnBrk="1"/>
-                      <a:endParaRPr lang="en-US" altLang="ko-KR" b="1" dirty="0"/>
-                    </a:p>
-                    <a:p>
-                      <a:pPr algn="ctr" latinLnBrk="1"/>
-                      <a:endParaRPr lang="en-US" altLang="ko-KR" b="1" dirty="0"/>
-                    </a:p>
-                    <a:p>
-                      <a:pPr algn="ctr" latinLnBrk="1"/>
-                      <a:r>
-                        <a:rPr lang="en-US" altLang="ko-KR" b="1" dirty="0"/>
-                        <a:t>4</a:t>
-                      </a:r>
-                      <a:endParaRPr lang="ko-KR" altLang="en-US" b="1" dirty="0"/>
-                    </a:p>
-                  </a:txBody>
-                  <a:tcPr>
-                    <a:solidFill>
-                      <a:schemeClr val="bg1"/>
-                    </a:solidFill>
-                  </a:tcPr>
-                </a:tc>
-                <a:tc>
-                  <a:txBody>
-                    <a:bodyPr/>
-                    <a:lstStyle/>
-                    <a:p>
-                      <a:pPr algn="ctr" latinLnBrk="1"/>
-                      <a:endParaRPr lang="en-US" altLang="ko-KR" b="1" dirty="0"/>
-                    </a:p>
-                    <a:p>
-                      <a:pPr algn="ctr" latinLnBrk="1"/>
-                      <a:endParaRPr lang="en-US" altLang="ko-KR" b="1" dirty="0"/>
-                    </a:p>
-                    <a:p>
-                      <a:pPr algn="ctr" latinLnBrk="1"/>
-                      <a:r>
-                        <a:rPr lang="en-US" altLang="ko-KR" b="1" dirty="0">
-                          <a:solidFill>
-                            <a:schemeClr val="bg1"/>
-                          </a:solidFill>
-                        </a:rPr>
-                        <a:t>5</a:t>
-                      </a:r>
-                      <a:endParaRPr lang="ko-KR" altLang="en-US" b="1" dirty="0">
-                        <a:solidFill>
-                          <a:schemeClr val="bg1"/>
-                        </a:solidFill>
-                      </a:endParaRPr>
-                    </a:p>
-                  </a:txBody>
-                  <a:tcPr>
-                    <a:solidFill>
-                      <a:schemeClr val="tx1"/>
-                    </a:solidFill>
-                  </a:tcPr>
-                </a:tc>
-                <a:tc>
-                  <a:txBody>
-                    <a:bodyPr/>
-                    <a:lstStyle/>
-                    <a:p>
-                      <a:pPr algn="ctr" latinLnBrk="1"/>
-                      <a:endParaRPr lang="en-US" altLang="ko-KR" b="1" dirty="0"/>
-                    </a:p>
-                    <a:p>
-                      <a:pPr algn="ctr" latinLnBrk="1"/>
-                      <a:endParaRPr lang="en-US" altLang="ko-KR" b="1" dirty="0"/>
-                    </a:p>
-                    <a:p>
-                      <a:pPr algn="ctr" latinLnBrk="1"/>
-                      <a:r>
-                        <a:rPr lang="en-US" altLang="ko-KR" b="1" dirty="0"/>
-                        <a:t>6</a:t>
-                      </a:r>
-                      <a:endParaRPr lang="ko-KR" altLang="en-US" b="1" dirty="0"/>
-                    </a:p>
-                  </a:txBody>
-                  <a:tcPr>
-                    <a:solidFill>
-                      <a:schemeClr val="bg1"/>
-                    </a:solidFill>
-                  </a:tcPr>
-                </a:tc>
-                <a:extLst>
-                  <a:ext uri="{0D108BD9-81ED-4DB2-BD59-A6C34878D82A}">
-                    <a16:rowId xmlns:a16="http://schemas.microsoft.com/office/drawing/2014/main" val="2145991477"/>
-                  </a:ext>
-                </a:extLst>
-              </a:tr>
-              <a:tr h="1493283">
-                <a:tc>
-                  <a:txBody>
-                    <a:bodyPr/>
-                    <a:lstStyle/>
-                    <a:p>
-                      <a:pPr algn="ctr" latinLnBrk="1"/>
-                      <a:endParaRPr lang="en-US" altLang="ko-KR" b="1" dirty="0"/>
-                    </a:p>
-                    <a:p>
-                      <a:pPr algn="ctr" latinLnBrk="1"/>
-                      <a:endParaRPr lang="en-US" altLang="ko-KR" b="1" dirty="0"/>
-                    </a:p>
-                    <a:p>
-                      <a:pPr algn="ctr" latinLnBrk="1"/>
-                      <a:r>
-                        <a:rPr lang="en-US" altLang="ko-KR" b="1" dirty="0">
-                          <a:solidFill>
-                            <a:schemeClr val="bg1"/>
-                          </a:solidFill>
-                        </a:rPr>
-                        <a:t>7</a:t>
-                      </a:r>
-                      <a:endParaRPr lang="ko-KR" altLang="en-US" b="1" dirty="0">
-                        <a:solidFill>
-                          <a:schemeClr val="bg1"/>
-                        </a:solidFill>
-                      </a:endParaRPr>
-                    </a:p>
-                  </a:txBody>
-                  <a:tcPr>
-                    <a:solidFill>
-                      <a:schemeClr val="tx1"/>
-                    </a:solidFill>
-                  </a:tcPr>
-                </a:tc>
-                <a:tc>
-                  <a:txBody>
-                    <a:bodyPr/>
-                    <a:lstStyle/>
-                    <a:p>
-                      <a:pPr algn="ctr" latinLnBrk="1"/>
-                      <a:endParaRPr lang="en-US" altLang="ko-KR" b="1" dirty="0"/>
-                    </a:p>
-                    <a:p>
-                      <a:pPr algn="ctr" latinLnBrk="1"/>
-                      <a:endParaRPr lang="en-US" altLang="ko-KR" b="1" dirty="0"/>
-                    </a:p>
-                    <a:p>
-                      <a:pPr algn="ctr" latinLnBrk="1"/>
-                      <a:r>
-                        <a:rPr lang="en-US" altLang="ko-KR" b="1" dirty="0"/>
-                        <a:t>8</a:t>
-                      </a:r>
-                      <a:endParaRPr lang="ko-KR" altLang="en-US" b="1" dirty="0"/>
-                    </a:p>
-                  </a:txBody>
-                  <a:tcPr>
-                    <a:solidFill>
-                      <a:schemeClr val="bg1"/>
-                    </a:solidFill>
-                  </a:tcPr>
-                </a:tc>
-                <a:tc>
-                  <a:txBody>
-                    <a:bodyPr/>
-                    <a:lstStyle/>
-                    <a:p>
-                      <a:pPr algn="ctr" latinLnBrk="1"/>
-                      <a:endParaRPr lang="en-US" altLang="ko-KR" b="1" dirty="0">
-                        <a:solidFill>
-                          <a:schemeClr val="bg1"/>
-                        </a:solidFill>
-                      </a:endParaRPr>
-                    </a:p>
-                    <a:p>
-                      <a:pPr algn="ctr" latinLnBrk="1"/>
-                      <a:endParaRPr lang="en-US" altLang="ko-KR" b="1" dirty="0">
-                        <a:solidFill>
-                          <a:schemeClr val="bg1"/>
-                        </a:solidFill>
-                      </a:endParaRPr>
-                    </a:p>
-                    <a:p>
-                      <a:pPr algn="ctr" latinLnBrk="1"/>
-                      <a:r>
-                        <a:rPr lang="en-US" altLang="ko-KR" b="1" dirty="0">
-                          <a:solidFill>
-                            <a:schemeClr val="bg1"/>
-                          </a:solidFill>
-                        </a:rPr>
-                        <a:t>9</a:t>
-                      </a:r>
-                      <a:endParaRPr lang="ko-KR" altLang="en-US" b="1" dirty="0">
-                        <a:solidFill>
-                          <a:schemeClr val="bg1"/>
-                        </a:solidFill>
-                      </a:endParaRPr>
-                    </a:p>
-                  </a:txBody>
-                  <a:tcPr>
-                    <a:solidFill>
-                      <a:schemeClr val="tx1"/>
-                    </a:solidFill>
-                  </a:tcPr>
-                </a:tc>
-                <a:extLst>
-                  <a:ext uri="{0D108BD9-81ED-4DB2-BD59-A6C34878D82A}">
-                    <a16:rowId xmlns:a16="http://schemas.microsoft.com/office/drawing/2014/main" val="3221429061"/>
+                    <a16:rowId xmlns:a16="http://schemas.microsoft.com/office/drawing/2014/main" val="2076412261"/>
                   </a:ext>
                 </a:extLst>
               </a:tr>
@@ -4745,7 +4556,7 @@
     </p:spTree>
     <p:extLst>
       <p:ext uri="{BB962C8B-B14F-4D97-AF65-F5344CB8AC3E}">
-        <p14:creationId xmlns:p14="http://schemas.microsoft.com/office/powerpoint/2010/main" val="3181884677"/>
+        <p14:creationId xmlns:p14="http://schemas.microsoft.com/office/powerpoint/2010/main" val="2549269848"/>
       </p:ext>
     </p:extLst>
   </p:cSld>
@@ -5085,7 +4896,7 @@
           <a:p>
             <a:r>
               <a:rPr lang="ko-KR" altLang="en-US" dirty="0"/>
-              <a:t>섹터의 크기 감소</a:t>
+              <a:t>섹터의 크기 증가</a:t>
             </a:r>
             <a:endParaRPr lang="en-US" altLang="ko-KR" dirty="0"/>
           </a:p>
@@ -5101,8 +4912,12 @@
               <a:t>-</a:t>
             </a:r>
             <a:r>
+              <a:rPr lang="ko-KR" altLang="en-US" dirty="0" err="1"/>
+              <a:t>관리해야할</a:t>
+            </a:r>
+            <a:r>
               <a:rPr lang="ko-KR" altLang="en-US" dirty="0"/>
-              <a:t>섹터 내부의 객체 수 감소</a:t>
+              <a:t> 섹터의 개수 감소</a:t>
             </a:r>
             <a:endParaRPr lang="en-US" altLang="ko-KR" dirty="0"/>
           </a:p>
@@ -5116,7 +4931,7 @@
             </a:r>
             <a:r>
               <a:rPr lang="ko-KR" altLang="en-US" dirty="0"/>
-              <a:t>공간 분할의 용이함</a:t>
+              <a:t>섹터단위의 이동 호출 감소</a:t>
             </a:r>
             <a:endParaRPr lang="en-US" altLang="ko-KR" dirty="0"/>
           </a:p>
@@ -5124,16 +4939,27 @@
             <a:pPr marL="0" indent="0">
               <a:buNone/>
             </a:pPr>
-            <a:endParaRPr lang="en-US" altLang="ko-KR" dirty="0"/>
+            <a:r>
+              <a:rPr lang="en-US" altLang="ko-KR" dirty="0"/>
+              <a:t>-</a:t>
+            </a:r>
+            <a:r>
+              <a:rPr lang="ko-KR" altLang="en-US" dirty="0" err="1"/>
+              <a:t>이웃섹터의</a:t>
+            </a:r>
+            <a:r>
+              <a:rPr lang="ko-KR" altLang="en-US" dirty="0"/>
+              <a:t> 범위 감소</a:t>
+            </a:r>
           </a:p>
         </p:txBody>
       </p:sp>
       <p:graphicFrame>
         <p:nvGraphicFramePr>
-          <p:cNvPr id="7" name="표 6">
-            <a:extLst>
-              <a:ext uri="{FF2B5EF4-FFF2-40B4-BE49-F238E27FC236}">
-                <a16:creationId xmlns:a16="http://schemas.microsoft.com/office/drawing/2014/main" id="{A3FA87D4-3431-1AED-465E-D077AA249016}"/>
+          <p:cNvPr id="3" name="표 2">
+            <a:extLst>
+              <a:ext uri="{FF2B5EF4-FFF2-40B4-BE49-F238E27FC236}">
+                <a16:creationId xmlns:a16="http://schemas.microsoft.com/office/drawing/2014/main" id="{D30C8FBC-F3B9-6C30-2A9C-2DA231F98272}"/>
               </a:ext>
             </a:extLst>
           </p:cNvPr>
@@ -5143,14 +4969,14 @@
           <p:nvPr>
             <p:extLst>
               <p:ext uri="{D42A27DB-BD31-4B8C-83A1-F6EECF244321}">
-                <p14:modId xmlns:p14="http://schemas.microsoft.com/office/powerpoint/2010/main" val="495765175"/>
+                <p14:modId xmlns:p14="http://schemas.microsoft.com/office/powerpoint/2010/main" val="2988480209"/>
               </p:ext>
             </p:extLst>
           </p:nvPr>
         </p:nvGraphicFramePr>
         <p:xfrm>
-          <a:off x="6096000" y="1417674"/>
-          <a:ext cx="5370240" cy="4685410"/>
+          <a:off x="6261772" y="1297172"/>
+          <a:ext cx="5420751" cy="4479849"/>
         </p:xfrm>
         <a:graphic>
           <a:graphicData uri="http://schemas.openxmlformats.org/drawingml/2006/table">
@@ -5159,70 +4985,48 @@
                 <a:tableStyleId>{5C22544A-7EE6-4342-B048-85BDC9FD1C3A}</a:tableStyleId>
               </a:tblPr>
               <a:tblGrid>
-                <a:gridCol w="1074048">
+                <a:gridCol w="1806917">
                   <a:extLst>
                     <a:ext uri="{9D8B030D-6E8A-4147-A177-3AD203B41FA5}">
-                      <a16:colId xmlns:a16="http://schemas.microsoft.com/office/drawing/2014/main" val="668889466"/>
+                      <a16:colId xmlns:a16="http://schemas.microsoft.com/office/drawing/2014/main" val="2430840716"/>
                     </a:ext>
                   </a:extLst>
                 </a:gridCol>
-                <a:gridCol w="1074048">
+                <a:gridCol w="1806917">
                   <a:extLst>
                     <a:ext uri="{9D8B030D-6E8A-4147-A177-3AD203B41FA5}">
-                      <a16:colId xmlns:a16="http://schemas.microsoft.com/office/drawing/2014/main" val="1409582572"/>
+                      <a16:colId xmlns:a16="http://schemas.microsoft.com/office/drawing/2014/main" val="2295954040"/>
                     </a:ext>
                   </a:extLst>
                 </a:gridCol>
-                <a:gridCol w="1074048">
+                <a:gridCol w="1806917">
                   <a:extLst>
                     <a:ext uri="{9D8B030D-6E8A-4147-A177-3AD203B41FA5}">
-                      <a16:colId xmlns:a16="http://schemas.microsoft.com/office/drawing/2014/main" val="1257632638"/>
-                    </a:ext>
-                  </a:extLst>
-                </a:gridCol>
-                <a:gridCol w="1074048">
-                  <a:extLst>
-                    <a:ext uri="{9D8B030D-6E8A-4147-A177-3AD203B41FA5}">
-                      <a16:colId xmlns:a16="http://schemas.microsoft.com/office/drawing/2014/main" val="2389046098"/>
-                    </a:ext>
-                  </a:extLst>
-                </a:gridCol>
-                <a:gridCol w="1074048">
-                  <a:extLst>
-                    <a:ext uri="{9D8B030D-6E8A-4147-A177-3AD203B41FA5}">
-                      <a16:colId xmlns:a16="http://schemas.microsoft.com/office/drawing/2014/main" val="1972500375"/>
+                      <a16:colId xmlns:a16="http://schemas.microsoft.com/office/drawing/2014/main" val="4068109016"/>
                     </a:ext>
                   </a:extLst>
                 </a:gridCol>
               </a:tblGrid>
-              <a:tr h="937082">
+              <a:tr h="1493283">
                 <a:tc>
                   <a:txBody>
                     <a:bodyPr/>
                     <a:lstStyle/>
                     <a:p>
                       <a:pPr algn="ctr" latinLnBrk="1"/>
-                      <a:endParaRPr lang="en-US" altLang="ko-KR" b="1" dirty="0">
-                        <a:solidFill>
-                          <a:schemeClr val="tx1"/>
-                        </a:solidFill>
-                      </a:endParaRPr>
+                      <a:endParaRPr lang="en-US" altLang="ko-KR" b="1" dirty="0"/>
+                    </a:p>
+                    <a:p>
+                      <a:pPr algn="ctr" latinLnBrk="1"/>
+                      <a:endParaRPr lang="en-US" altLang="ko-KR" b="1" dirty="0"/>
                     </a:p>
                     <a:p>
                       <a:pPr algn="ctr" latinLnBrk="1"/>
                       <a:r>
-                        <a:rPr lang="en-US" altLang="ko-KR" b="1" dirty="0">
-                          <a:solidFill>
-                            <a:schemeClr val="bg1"/>
-                          </a:solidFill>
-                        </a:rPr>
+                        <a:rPr lang="en-US" altLang="ko-KR" b="1" dirty="0"/>
                         <a:t>1</a:t>
                       </a:r>
-                      <a:endParaRPr lang="ko-KR" altLang="en-US" b="1" dirty="0">
-                        <a:solidFill>
-                          <a:schemeClr val="bg1"/>
-                        </a:solidFill>
-                      </a:endParaRPr>
+                      <a:endParaRPr lang="ko-KR" altLang="en-US" b="1" dirty="0"/>
                     </a:p>
                   </a:txBody>
                   <a:tcPr>
@@ -5237,11 +5041,11 @@
                     <a:lstStyle/>
                     <a:p>
                       <a:pPr algn="ctr" latinLnBrk="1"/>
-                      <a:endParaRPr lang="en-US" altLang="ko-KR" b="1" dirty="0">
-                        <a:solidFill>
-                          <a:schemeClr val="tx1"/>
-                        </a:solidFill>
-                      </a:endParaRPr>
+                      <a:endParaRPr lang="en-US" altLang="ko-KR" b="1" dirty="0"/>
+                    </a:p>
+                    <a:p>
+                      <a:pPr algn="ctr" latinLnBrk="1"/>
+                      <a:endParaRPr lang="en-US" altLang="ko-KR" b="1" dirty="0"/>
                     </a:p>
                     <a:p>
                       <a:pPr algn="ctr" latinLnBrk="1"/>
@@ -5272,11 +5076,11 @@
                     <a:lstStyle/>
                     <a:p>
                       <a:pPr algn="ctr" latinLnBrk="1"/>
-                      <a:endParaRPr lang="en-US" altLang="ko-KR" b="1" dirty="0">
-                        <a:solidFill>
-                          <a:schemeClr val="tx1"/>
-                        </a:solidFill>
-                      </a:endParaRPr>
+                      <a:endParaRPr lang="en-US" altLang="ko-KR" b="1" dirty="0"/>
+                    </a:p>
+                    <a:p>
+                      <a:pPr algn="ctr" latinLnBrk="1"/>
+                      <a:endParaRPr lang="en-US" altLang="ko-KR" b="1" dirty="0"/>
                     </a:p>
                     <a:p>
                       <a:pPr algn="ctr" latinLnBrk="1"/>
@@ -5301,33 +5105,32 @@
                     </a:solidFill>
                   </a:tcPr>
                 </a:tc>
+                <a:extLst>
+                  <a:ext uri="{0D108BD9-81ED-4DB2-BD59-A6C34878D82A}">
+                    <a16:rowId xmlns:a16="http://schemas.microsoft.com/office/drawing/2014/main" val="3972990439"/>
+                  </a:ext>
+                </a:extLst>
+              </a:tr>
+              <a:tr h="1493283">
                 <a:tc>
                   <a:txBody>
                     <a:bodyPr/>
                     <a:lstStyle/>
                     <a:p>
                       <a:pPr algn="ctr" latinLnBrk="1"/>
-                      <a:endParaRPr lang="en-US" altLang="ko-KR" b="1" dirty="0">
-                        <a:solidFill>
-                          <a:schemeClr val="tx1"/>
-                        </a:solidFill>
-                      </a:endParaRPr>
+                      <a:endParaRPr lang="en-US" altLang="ko-KR" b="1" dirty="0"/>
+                    </a:p>
+                    <a:p>
+                      <a:pPr algn="ctr" latinLnBrk="1"/>
+                      <a:endParaRPr lang="en-US" altLang="ko-KR" b="1" dirty="0"/>
                     </a:p>
                     <a:p>
                       <a:pPr algn="ctr" latinLnBrk="1"/>
                       <a:r>
-                        <a:rPr lang="en-US" altLang="ko-KR" b="1" dirty="0">
-                          <a:solidFill>
-                            <a:schemeClr val="tx1"/>
-                          </a:solidFill>
-                        </a:rPr>
+                        <a:rPr lang="en-US" altLang="ko-KR" b="1" dirty="0"/>
                         <a:t>4</a:t>
                       </a:r>
-                      <a:endParaRPr lang="ko-KR" altLang="en-US" b="1" dirty="0">
-                        <a:solidFill>
-                          <a:schemeClr val="tx1"/>
-                        </a:solidFill>
-                      </a:endParaRPr>
+                      <a:endParaRPr lang="ko-KR" altLang="en-US" b="1" dirty="0"/>
                     </a:p>
                   </a:txBody>
                   <a:tcPr>
@@ -5342,11 +5145,11 @@
                     <a:lstStyle/>
                     <a:p>
                       <a:pPr algn="ctr" latinLnBrk="1"/>
-                      <a:endParaRPr lang="en-US" altLang="ko-KR" b="1" dirty="0">
-                        <a:solidFill>
-                          <a:schemeClr val="tx1"/>
-                        </a:solidFill>
-                      </a:endParaRPr>
+                      <a:endParaRPr lang="en-US" altLang="ko-KR" b="1" dirty="0"/>
+                    </a:p>
+                    <a:p>
+                      <a:pPr algn="ctr" latinLnBrk="1"/>
+                      <a:endParaRPr lang="en-US" altLang="ko-KR" b="1" dirty="0"/>
                     </a:p>
                     <a:p>
                       <a:pPr algn="ctr" latinLnBrk="1"/>
@@ -5371,40 +5174,25 @@
                     </a:solidFill>
                   </a:tcPr>
                 </a:tc>
-                <a:extLst>
-                  <a:ext uri="{0D108BD9-81ED-4DB2-BD59-A6C34878D82A}">
-                    <a16:rowId xmlns:a16="http://schemas.microsoft.com/office/drawing/2014/main" val="216117813"/>
-                  </a:ext>
-                </a:extLst>
-              </a:tr>
-              <a:tr h="937082">
                 <a:tc>
                   <a:txBody>
                     <a:bodyPr/>
                     <a:lstStyle/>
                     <a:p>
                       <a:pPr algn="ctr" latinLnBrk="1"/>
-                      <a:endParaRPr lang="en-US" altLang="ko-KR" b="1" dirty="0">
-                        <a:solidFill>
-                          <a:schemeClr val="tx1"/>
-                        </a:solidFill>
-                      </a:endParaRPr>
+                      <a:endParaRPr lang="en-US" altLang="ko-KR" b="1" dirty="0"/>
+                    </a:p>
+                    <a:p>
+                      <a:pPr algn="ctr" latinLnBrk="1"/>
+                      <a:endParaRPr lang="en-US" altLang="ko-KR" b="1" dirty="0"/>
                     </a:p>
                     <a:p>
                       <a:pPr algn="ctr" latinLnBrk="1"/>
                       <a:r>
-                        <a:rPr lang="en-US" altLang="ko-KR" b="1" dirty="0">
-                          <a:solidFill>
-                            <a:schemeClr val="tx1"/>
-                          </a:solidFill>
-                        </a:rPr>
+                        <a:rPr lang="en-US" altLang="ko-KR" b="1" dirty="0"/>
                         <a:t>6</a:t>
                       </a:r>
-                      <a:endParaRPr lang="ko-KR" altLang="en-US" b="1" dirty="0">
-                        <a:solidFill>
-                          <a:schemeClr val="tx1"/>
-                        </a:solidFill>
-                      </a:endParaRPr>
+                      <a:endParaRPr lang="ko-KR" altLang="en-US" b="1" dirty="0"/>
                     </a:p>
                   </a:txBody>
                   <a:tcPr>
@@ -5413,17 +5201,24 @@
                     </a:solidFill>
                   </a:tcPr>
                 </a:tc>
+                <a:extLst>
+                  <a:ext uri="{0D108BD9-81ED-4DB2-BD59-A6C34878D82A}">
+                    <a16:rowId xmlns:a16="http://schemas.microsoft.com/office/drawing/2014/main" val="2145991477"/>
+                  </a:ext>
+                </a:extLst>
+              </a:tr>
+              <a:tr h="1493283">
                 <a:tc>
                   <a:txBody>
                     <a:bodyPr/>
                     <a:lstStyle/>
                     <a:p>
                       <a:pPr algn="ctr" latinLnBrk="1"/>
-                      <a:endParaRPr lang="en-US" altLang="ko-KR" b="1" dirty="0">
-                        <a:solidFill>
-                          <a:schemeClr val="tx1"/>
-                        </a:solidFill>
-                      </a:endParaRPr>
+                      <a:endParaRPr lang="en-US" altLang="ko-KR" b="1" dirty="0"/>
+                    </a:p>
+                    <a:p>
+                      <a:pPr algn="ctr" latinLnBrk="1"/>
+                      <a:endParaRPr lang="en-US" altLang="ko-KR" b="1" dirty="0"/>
                     </a:p>
                     <a:p>
                       <a:pPr algn="ctr" latinLnBrk="1"/>
@@ -5454,22 +5249,19 @@
                     <a:lstStyle/>
                     <a:p>
                       <a:pPr algn="ctr" latinLnBrk="1"/>
-                      <a:endParaRPr lang="en-US" altLang="ko-KR" b="1" dirty="0">
-                        <a:solidFill>
-                          <a:schemeClr val="tx1"/>
-                        </a:solidFill>
-                      </a:endParaRPr>
+                      <a:endParaRPr lang="en-US" altLang="ko-KR" b="1" dirty="0"/>
+                    </a:p>
+                    <a:p>
+                      <a:pPr algn="ctr" latinLnBrk="1"/>
+                      <a:endParaRPr lang="en-US" altLang="ko-KR" b="1" dirty="0"/>
                     </a:p>
                     <a:p>
                       <a:pPr algn="ctr" latinLnBrk="1"/>
                       <a:r>
-                        <a:rPr lang="en-US" altLang="ko-KR" b="1" dirty="0">
-                          <a:solidFill>
-                            <a:schemeClr val="tx1"/>
-                          </a:solidFill>
-                        </a:rPr>
+                        <a:rPr lang="en-US" altLang="ko-KR" b="1" dirty="0"/>
                         <a:t>8</a:t>
                       </a:r>
+                      <a:endParaRPr lang="ko-KR" altLang="en-US" b="1" dirty="0"/>
                     </a:p>
                   </a:txBody>
                   <a:tcPr>
@@ -5486,7 +5278,15 @@
                       <a:pPr algn="ctr" latinLnBrk="1"/>
                       <a:endParaRPr lang="en-US" altLang="ko-KR" b="1" dirty="0">
                         <a:solidFill>
-                          <a:schemeClr val="tx1"/>
+                          <a:schemeClr val="bg1"/>
+                        </a:solidFill>
+                      </a:endParaRPr>
+                    </a:p>
+                    <a:p>
+                      <a:pPr algn="ctr" latinLnBrk="1"/>
+                      <a:endParaRPr lang="en-US" altLang="ko-KR" b="1" dirty="0">
+                        <a:solidFill>
+                          <a:schemeClr val="bg1"/>
                         </a:solidFill>
                       </a:endParaRPr>
                     </a:p>
@@ -5513,570 +5313,9 @@
                     </a:solidFill>
                   </a:tcPr>
                 </a:tc>
-                <a:tc>
-                  <a:txBody>
-                    <a:bodyPr/>
-                    <a:lstStyle/>
-                    <a:p>
-                      <a:pPr algn="ctr" latinLnBrk="1"/>
-                      <a:endParaRPr lang="en-US" altLang="ko-KR" b="1" dirty="0">
-                        <a:solidFill>
-                          <a:schemeClr val="tx1"/>
-                        </a:solidFill>
-                      </a:endParaRPr>
-                    </a:p>
-                    <a:p>
-                      <a:pPr algn="ctr" latinLnBrk="1"/>
-                      <a:r>
-                        <a:rPr lang="en-US" altLang="ko-KR" b="1" dirty="0">
-                          <a:solidFill>
-                            <a:schemeClr val="tx1"/>
-                          </a:solidFill>
-                        </a:rPr>
-                        <a:t>10</a:t>
-                      </a:r>
-                      <a:endParaRPr lang="ko-KR" altLang="en-US" b="1" dirty="0">
-                        <a:solidFill>
-                          <a:schemeClr val="tx1"/>
-                        </a:solidFill>
-                      </a:endParaRPr>
-                    </a:p>
-                  </a:txBody>
-                  <a:tcPr>
-                    <a:solidFill>
-                      <a:schemeClr val="bg1"/>
-                    </a:solidFill>
-                  </a:tcPr>
-                </a:tc>
                 <a:extLst>
                   <a:ext uri="{0D108BD9-81ED-4DB2-BD59-A6C34878D82A}">
-                    <a16:rowId xmlns:a16="http://schemas.microsoft.com/office/drawing/2014/main" val="1396591346"/>
-                  </a:ext>
-                </a:extLst>
-              </a:tr>
-              <a:tr h="937082">
-                <a:tc>
-                  <a:txBody>
-                    <a:bodyPr/>
-                    <a:lstStyle/>
-                    <a:p>
-                      <a:pPr algn="ctr" latinLnBrk="1"/>
-                      <a:endParaRPr lang="en-US" altLang="ko-KR" b="1" dirty="0">
-                        <a:solidFill>
-                          <a:schemeClr val="tx1"/>
-                        </a:solidFill>
-                      </a:endParaRPr>
-                    </a:p>
-                    <a:p>
-                      <a:pPr algn="ctr" latinLnBrk="1"/>
-                      <a:r>
-                        <a:rPr lang="en-US" altLang="ko-KR" b="1" dirty="0">
-                          <a:solidFill>
-                            <a:schemeClr val="bg1"/>
-                          </a:solidFill>
-                        </a:rPr>
-                        <a:t>11</a:t>
-                      </a:r>
-                      <a:endParaRPr lang="ko-KR" altLang="en-US" b="1" dirty="0">
-                        <a:solidFill>
-                          <a:schemeClr val="bg1"/>
-                        </a:solidFill>
-                      </a:endParaRPr>
-                    </a:p>
-                  </a:txBody>
-                  <a:tcPr>
-                    <a:solidFill>
-                      <a:schemeClr val="tx1"/>
-                    </a:solidFill>
-                  </a:tcPr>
-                </a:tc>
-                <a:tc>
-                  <a:txBody>
-                    <a:bodyPr/>
-                    <a:lstStyle/>
-                    <a:p>
-                      <a:pPr algn="ctr" latinLnBrk="1"/>
-                      <a:endParaRPr lang="en-US" altLang="ko-KR" b="1" dirty="0">
-                        <a:solidFill>
-                          <a:schemeClr val="tx1"/>
-                        </a:solidFill>
-                      </a:endParaRPr>
-                    </a:p>
-                    <a:p>
-                      <a:pPr algn="ctr" latinLnBrk="1"/>
-                      <a:r>
-                        <a:rPr lang="en-US" altLang="ko-KR" b="1" dirty="0">
-                          <a:solidFill>
-                            <a:schemeClr val="tx1"/>
-                          </a:solidFill>
-                        </a:rPr>
-                        <a:t>12</a:t>
-                      </a:r>
-                      <a:endParaRPr lang="ko-KR" altLang="en-US" b="1" dirty="0">
-                        <a:solidFill>
-                          <a:schemeClr val="tx1"/>
-                        </a:solidFill>
-                      </a:endParaRPr>
-                    </a:p>
-                  </a:txBody>
-                  <a:tcPr>
-                    <a:solidFill>
-                      <a:schemeClr val="bg1"/>
-                    </a:solidFill>
-                  </a:tcPr>
-                </a:tc>
-                <a:tc>
-                  <a:txBody>
-                    <a:bodyPr/>
-                    <a:lstStyle/>
-                    <a:p>
-                      <a:pPr algn="ctr" latinLnBrk="1"/>
-                      <a:endParaRPr lang="en-US" altLang="ko-KR" b="1" dirty="0">
-                        <a:solidFill>
-                          <a:schemeClr val="tx1"/>
-                        </a:solidFill>
-                      </a:endParaRPr>
-                    </a:p>
-                    <a:p>
-                      <a:pPr algn="ctr" latinLnBrk="1"/>
-                      <a:r>
-                        <a:rPr lang="en-US" altLang="ko-KR" b="1" dirty="0">
-                          <a:solidFill>
-                            <a:schemeClr val="bg1"/>
-                          </a:solidFill>
-                        </a:rPr>
-                        <a:t>13</a:t>
-                      </a:r>
-                      <a:endParaRPr lang="ko-KR" altLang="en-US" b="1" dirty="0">
-                        <a:solidFill>
-                          <a:schemeClr val="bg1"/>
-                        </a:solidFill>
-                      </a:endParaRPr>
-                    </a:p>
-                  </a:txBody>
-                  <a:tcPr>
-                    <a:solidFill>
-                      <a:schemeClr val="tx1"/>
-                    </a:solidFill>
-                  </a:tcPr>
-                </a:tc>
-                <a:tc>
-                  <a:txBody>
-                    <a:bodyPr/>
-                    <a:lstStyle/>
-                    <a:p>
-                      <a:pPr algn="ctr" latinLnBrk="1"/>
-                      <a:endParaRPr lang="en-US" altLang="ko-KR" b="1" dirty="0">
-                        <a:solidFill>
-                          <a:schemeClr val="tx1"/>
-                        </a:solidFill>
-                      </a:endParaRPr>
-                    </a:p>
-                    <a:p>
-                      <a:pPr algn="ctr" latinLnBrk="1"/>
-                      <a:r>
-                        <a:rPr lang="en-US" altLang="ko-KR" b="1" dirty="0">
-                          <a:solidFill>
-                            <a:schemeClr val="tx1"/>
-                          </a:solidFill>
-                        </a:rPr>
-                        <a:t>14</a:t>
-                      </a:r>
-                      <a:endParaRPr lang="ko-KR" altLang="en-US" b="1" dirty="0">
-                        <a:solidFill>
-                          <a:schemeClr val="tx1"/>
-                        </a:solidFill>
-                      </a:endParaRPr>
-                    </a:p>
-                  </a:txBody>
-                  <a:tcPr>
-                    <a:solidFill>
-                      <a:schemeClr val="bg1"/>
-                    </a:solidFill>
-                  </a:tcPr>
-                </a:tc>
-                <a:tc>
-                  <a:txBody>
-                    <a:bodyPr/>
-                    <a:lstStyle/>
-                    <a:p>
-                      <a:pPr algn="ctr" latinLnBrk="1"/>
-                      <a:endParaRPr lang="en-US" altLang="ko-KR" b="1" dirty="0">
-                        <a:solidFill>
-                          <a:schemeClr val="tx1"/>
-                        </a:solidFill>
-                      </a:endParaRPr>
-                    </a:p>
-                    <a:p>
-                      <a:pPr algn="ctr" latinLnBrk="1"/>
-                      <a:r>
-                        <a:rPr lang="en-US" altLang="ko-KR" b="1" dirty="0">
-                          <a:solidFill>
-                            <a:schemeClr val="bg1"/>
-                          </a:solidFill>
-                        </a:rPr>
-                        <a:t>15</a:t>
-                      </a:r>
-                    </a:p>
-                  </a:txBody>
-                  <a:tcPr>
-                    <a:solidFill>
-                      <a:schemeClr val="tx1"/>
-                    </a:solidFill>
-                  </a:tcPr>
-                </a:tc>
-                <a:extLst>
-                  <a:ext uri="{0D108BD9-81ED-4DB2-BD59-A6C34878D82A}">
-                    <a16:rowId xmlns:a16="http://schemas.microsoft.com/office/drawing/2014/main" val="3357709261"/>
-                  </a:ext>
-                </a:extLst>
-              </a:tr>
-              <a:tr h="937082">
-                <a:tc>
-                  <a:txBody>
-                    <a:bodyPr/>
-                    <a:lstStyle/>
-                    <a:p>
-                      <a:pPr algn="ctr" latinLnBrk="1"/>
-                      <a:endParaRPr lang="en-US" altLang="ko-KR" b="1" dirty="0">
-                        <a:solidFill>
-                          <a:schemeClr val="tx1"/>
-                        </a:solidFill>
-                      </a:endParaRPr>
-                    </a:p>
-                    <a:p>
-                      <a:pPr algn="ctr" latinLnBrk="1"/>
-                      <a:r>
-                        <a:rPr lang="en-US" altLang="ko-KR" b="1" dirty="0">
-                          <a:solidFill>
-                            <a:schemeClr val="tx1"/>
-                          </a:solidFill>
-                        </a:rPr>
-                        <a:t>16</a:t>
-                      </a:r>
-                    </a:p>
-                  </a:txBody>
-                  <a:tcPr>
-                    <a:solidFill>
-                      <a:schemeClr val="bg1"/>
-                    </a:solidFill>
-                  </a:tcPr>
-                </a:tc>
-                <a:tc>
-                  <a:txBody>
-                    <a:bodyPr/>
-                    <a:lstStyle/>
-                    <a:p>
-                      <a:pPr algn="ctr" latinLnBrk="1"/>
-                      <a:endParaRPr lang="en-US" altLang="ko-KR" b="1" dirty="0">
-                        <a:solidFill>
-                          <a:schemeClr val="tx1"/>
-                        </a:solidFill>
-                      </a:endParaRPr>
-                    </a:p>
-                    <a:p>
-                      <a:pPr algn="ctr" latinLnBrk="1"/>
-                      <a:r>
-                        <a:rPr lang="en-US" altLang="ko-KR" b="1" dirty="0">
-                          <a:solidFill>
-                            <a:schemeClr val="bg1"/>
-                          </a:solidFill>
-                        </a:rPr>
-                        <a:t>17</a:t>
-                      </a:r>
-                      <a:endParaRPr lang="ko-KR" altLang="en-US" b="1" dirty="0">
-                        <a:solidFill>
-                          <a:schemeClr val="bg1"/>
-                        </a:solidFill>
-                      </a:endParaRPr>
-                    </a:p>
-                  </a:txBody>
-                  <a:tcPr>
-                    <a:solidFill>
-                      <a:schemeClr val="tx1"/>
-                    </a:solidFill>
-                  </a:tcPr>
-                </a:tc>
-                <a:tc>
-                  <a:txBody>
-                    <a:bodyPr/>
-                    <a:lstStyle/>
-                    <a:p>
-                      <a:pPr algn="ctr" latinLnBrk="1"/>
-                      <a:endParaRPr lang="en-US" altLang="ko-KR" b="1" dirty="0">
-                        <a:solidFill>
-                          <a:schemeClr val="tx1"/>
-                        </a:solidFill>
-                      </a:endParaRPr>
-                    </a:p>
-                    <a:p>
-                      <a:pPr algn="ctr" latinLnBrk="1"/>
-                      <a:r>
-                        <a:rPr lang="en-US" altLang="ko-KR" b="1" dirty="0">
-                          <a:solidFill>
-                            <a:schemeClr val="tx1"/>
-                          </a:solidFill>
-                        </a:rPr>
-                        <a:t>18</a:t>
-                      </a:r>
-                      <a:endParaRPr lang="ko-KR" altLang="en-US" b="1" dirty="0">
-                        <a:solidFill>
-                          <a:schemeClr val="tx1"/>
-                        </a:solidFill>
-                      </a:endParaRPr>
-                    </a:p>
-                  </a:txBody>
-                  <a:tcPr>
-                    <a:solidFill>
-                      <a:schemeClr val="bg1"/>
-                    </a:solidFill>
-                  </a:tcPr>
-                </a:tc>
-                <a:tc>
-                  <a:txBody>
-                    <a:bodyPr/>
-                    <a:lstStyle/>
-                    <a:p>
-                      <a:pPr algn="ctr" latinLnBrk="1"/>
-                      <a:endParaRPr lang="en-US" altLang="ko-KR" b="1" dirty="0">
-                        <a:solidFill>
-                          <a:schemeClr val="tx1"/>
-                        </a:solidFill>
-                      </a:endParaRPr>
-                    </a:p>
-                    <a:p>
-                      <a:pPr algn="ctr" latinLnBrk="1"/>
-                      <a:r>
-                        <a:rPr lang="en-US" altLang="ko-KR" b="1" dirty="0">
-                          <a:solidFill>
-                            <a:schemeClr val="bg1"/>
-                          </a:solidFill>
-                        </a:rPr>
-                        <a:t>19</a:t>
-                      </a:r>
-                    </a:p>
-                  </a:txBody>
-                  <a:tcPr>
-                    <a:solidFill>
-                      <a:schemeClr val="tx1"/>
-                    </a:solidFill>
-                  </a:tcPr>
-                </a:tc>
-                <a:tc>
-                  <a:txBody>
-                    <a:bodyPr/>
-                    <a:lstStyle/>
-                    <a:p>
-                      <a:pPr algn="ctr" latinLnBrk="1"/>
-                      <a:endParaRPr lang="en-US" altLang="ko-KR" b="1" dirty="0">
-                        <a:solidFill>
-                          <a:schemeClr val="tx1"/>
-                        </a:solidFill>
-                      </a:endParaRPr>
-                    </a:p>
-                    <a:p>
-                      <a:pPr algn="ctr" latinLnBrk="1"/>
-                      <a:r>
-                        <a:rPr lang="en-US" altLang="ko-KR" b="1" dirty="0">
-                          <a:solidFill>
-                            <a:schemeClr val="tx1"/>
-                          </a:solidFill>
-                        </a:rPr>
-                        <a:t>20</a:t>
-                      </a:r>
-                      <a:endParaRPr lang="ko-KR" altLang="en-US" b="1" dirty="0">
-                        <a:solidFill>
-                          <a:schemeClr val="tx1"/>
-                        </a:solidFill>
-                      </a:endParaRPr>
-                    </a:p>
-                  </a:txBody>
-                  <a:tcPr>
-                    <a:solidFill>
-                      <a:schemeClr val="bg1"/>
-                    </a:solidFill>
-                  </a:tcPr>
-                </a:tc>
-                <a:extLst>
-                  <a:ext uri="{0D108BD9-81ED-4DB2-BD59-A6C34878D82A}">
-                    <a16:rowId xmlns:a16="http://schemas.microsoft.com/office/drawing/2014/main" val="587535536"/>
-                  </a:ext>
-                </a:extLst>
-              </a:tr>
-              <a:tr h="937082">
-                <a:tc>
-                  <a:txBody>
-                    <a:bodyPr/>
-                    <a:lstStyle/>
-                    <a:p>
-                      <a:pPr algn="ctr" latinLnBrk="1"/>
-                      <a:endParaRPr lang="en-US" altLang="ko-KR" b="1" dirty="0">
-                        <a:solidFill>
-                          <a:schemeClr val="tx1"/>
-                        </a:solidFill>
-                      </a:endParaRPr>
-                    </a:p>
-                    <a:p>
-                      <a:pPr algn="ctr" latinLnBrk="1"/>
-                      <a:r>
-                        <a:rPr lang="en-US" altLang="ko-KR" b="1" dirty="0">
-                          <a:solidFill>
-                            <a:schemeClr val="bg1"/>
-                          </a:solidFill>
-                        </a:rPr>
-                        <a:t>21</a:t>
-                      </a:r>
-                      <a:endParaRPr lang="ko-KR" altLang="en-US" b="1" dirty="0">
-                        <a:solidFill>
-                          <a:schemeClr val="bg1"/>
-                        </a:solidFill>
-                      </a:endParaRPr>
-                    </a:p>
-                  </a:txBody>
-                  <a:tcPr>
-                    <a:solidFill>
-                      <a:schemeClr val="tx1"/>
-                    </a:solidFill>
-                  </a:tcPr>
-                </a:tc>
-                <a:tc>
-                  <a:txBody>
-                    <a:bodyPr/>
-                    <a:lstStyle/>
-                    <a:p>
-                      <a:pPr algn="ctr" latinLnBrk="1"/>
-                      <a:endParaRPr lang="en-US" altLang="ko-KR" b="1" dirty="0">
-                        <a:solidFill>
-                          <a:schemeClr val="tx1"/>
-                        </a:solidFill>
-                      </a:endParaRPr>
-                    </a:p>
-                    <a:p>
-                      <a:pPr algn="ctr" latinLnBrk="1"/>
-                      <a:r>
-                        <a:rPr lang="en-US" altLang="ko-KR" b="1" dirty="0">
-                          <a:solidFill>
-                            <a:schemeClr val="tx1"/>
-                          </a:solidFill>
-                        </a:rPr>
-                        <a:t>22</a:t>
-                      </a:r>
-                      <a:endParaRPr lang="ko-KR" altLang="en-US" b="1" dirty="0">
-                        <a:solidFill>
-                          <a:schemeClr val="tx1"/>
-                        </a:solidFill>
-                      </a:endParaRPr>
-                    </a:p>
-                  </a:txBody>
-                  <a:tcPr>
-                    <a:solidFill>
-                      <a:schemeClr val="bg1"/>
-                    </a:solidFill>
-                  </a:tcPr>
-                </a:tc>
-                <a:tc>
-                  <a:txBody>
-                    <a:bodyPr/>
-                    <a:lstStyle/>
-                    <a:p>
-                      <a:pPr algn="ctr" latinLnBrk="1"/>
-                      <a:endParaRPr lang="en-US" altLang="ko-KR" b="1" dirty="0">
-                        <a:solidFill>
-                          <a:schemeClr val="tx1"/>
-                        </a:solidFill>
-                      </a:endParaRPr>
-                    </a:p>
-                    <a:p>
-                      <a:pPr algn="ctr" latinLnBrk="1"/>
-                      <a:r>
-                        <a:rPr lang="en-US" altLang="ko-KR" b="1" dirty="0">
-                          <a:solidFill>
-                            <a:schemeClr val="bg1"/>
-                          </a:solidFill>
-                        </a:rPr>
-                        <a:t>23</a:t>
-                      </a:r>
-                      <a:endParaRPr lang="ko-KR" altLang="en-US" b="1" dirty="0">
-                        <a:solidFill>
-                          <a:schemeClr val="bg1"/>
-                        </a:solidFill>
-                      </a:endParaRPr>
-                    </a:p>
-                  </a:txBody>
-                  <a:tcPr>
-                    <a:solidFill>
-                      <a:schemeClr val="tx1"/>
-                    </a:solidFill>
-                  </a:tcPr>
-                </a:tc>
-                <a:tc>
-                  <a:txBody>
-                    <a:bodyPr/>
-                    <a:lstStyle/>
-                    <a:p>
-                      <a:pPr algn="ctr" latinLnBrk="1"/>
-                      <a:endParaRPr lang="en-US" altLang="ko-KR" b="1" dirty="0">
-                        <a:solidFill>
-                          <a:schemeClr val="tx1"/>
-                        </a:solidFill>
-                      </a:endParaRPr>
-                    </a:p>
-                    <a:p>
-                      <a:pPr algn="ctr" latinLnBrk="1"/>
-                      <a:r>
-                        <a:rPr lang="en-US" altLang="ko-KR" b="1" dirty="0">
-                          <a:solidFill>
-                            <a:schemeClr val="tx1"/>
-                          </a:solidFill>
-                        </a:rPr>
-                        <a:t>24</a:t>
-                      </a:r>
-                    </a:p>
-                  </a:txBody>
-                  <a:tcPr>
-                    <a:solidFill>
-                      <a:schemeClr val="bg1"/>
-                    </a:solidFill>
-                  </a:tcPr>
-                </a:tc>
-                <a:tc>
-                  <a:txBody>
-                    <a:bodyPr/>
-                    <a:lstStyle/>
-                    <a:p>
-                      <a:pPr algn="ctr" latinLnBrk="1"/>
-                      <a:endParaRPr lang="en-US" altLang="ko-KR" b="1" dirty="0">
-                        <a:solidFill>
-                          <a:schemeClr val="tx1"/>
-                        </a:solidFill>
-                      </a:endParaRPr>
-                    </a:p>
-                    <a:p>
-                      <a:pPr algn="ctr" latinLnBrk="1"/>
-                      <a:r>
-                        <a:rPr lang="en-US" altLang="ko-KR" b="1" dirty="0">
-                          <a:solidFill>
-                            <a:schemeClr val="bg1"/>
-                          </a:solidFill>
-                        </a:rPr>
-                        <a:t>25</a:t>
-                      </a:r>
-                      <a:endParaRPr lang="ko-KR" altLang="en-US" b="1" dirty="0">
-                        <a:solidFill>
-                          <a:schemeClr val="bg1"/>
-                        </a:solidFill>
-                      </a:endParaRPr>
-                    </a:p>
-                  </a:txBody>
-                  <a:tcPr>
-                    <a:solidFill>
-                      <a:schemeClr val="tx1"/>
-                    </a:solidFill>
-                  </a:tcPr>
-                </a:tc>
-                <a:extLst>
-                  <a:ext uri="{0D108BD9-81ED-4DB2-BD59-A6C34878D82A}">
-                    <a16:rowId xmlns:a16="http://schemas.microsoft.com/office/drawing/2014/main" val="3388621295"/>
+                    <a16:rowId xmlns:a16="http://schemas.microsoft.com/office/drawing/2014/main" val="3221429061"/>
                   </a:ext>
                 </a:extLst>
               </a:tr>
@@ -6087,7 +5326,7 @@
     </p:spTree>
     <p:extLst>
       <p:ext uri="{BB962C8B-B14F-4D97-AF65-F5344CB8AC3E}">
-        <p14:creationId xmlns:p14="http://schemas.microsoft.com/office/powerpoint/2010/main" val="505230582"/>
+        <p14:creationId xmlns:p14="http://schemas.microsoft.com/office/powerpoint/2010/main" val="3181884677"/>
       </p:ext>
     </p:extLst>
   </p:cSld>
@@ -6427,24 +5666,11 @@
           <a:p>
             <a:r>
               <a:rPr lang="ko-KR" altLang="en-US" dirty="0"/>
-              <a:t>무엇이 더 좋은가</a:t>
-            </a:r>
-            <a:r>
-              <a:rPr lang="en-US" altLang="ko-KR" dirty="0"/>
-              <a:t>?</a:t>
-            </a:r>
-          </a:p>
-          <a:p>
+              <a:t>섹터의 크기 감소</a:t>
+            </a:r>
             <a:endParaRPr lang="en-US" altLang="ko-KR" dirty="0"/>
           </a:p>
           <a:p>
-            <a:pPr marL="0" indent="0">
-              <a:buNone/>
-            </a:pPr>
-            <a:r>
-              <a:rPr lang="ko-KR" altLang="en-US" dirty="0"/>
-              <a:t>그때그때 다르다</a:t>
-            </a:r>
             <a:endParaRPr lang="en-US" altLang="ko-KR" dirty="0"/>
           </a:p>
           <a:p>
@@ -6457,19 +5683,21 @@
             </a:r>
             <a:r>
               <a:rPr lang="ko-KR" altLang="en-US" dirty="0"/>
-              <a:t>유저의 상호작용 거리가 짧고 </a:t>
-            </a:r>
-            <a:r>
-              <a:rPr lang="ko-KR" altLang="en-US" dirty="0" err="1"/>
-              <a:t>이동량이</a:t>
+              <a:t>섹터 내부의 객체 수 감소</a:t>
+            </a:r>
+            <a:endParaRPr lang="en-US" altLang="ko-KR" dirty="0"/>
+          </a:p>
+          <a:p>
+            <a:pPr marL="0" indent="0">
+              <a:buNone/>
+            </a:pPr>
+            <a:r>
+              <a:rPr lang="en-US" altLang="ko-KR" dirty="0"/>
+              <a:t>-</a:t>
             </a:r>
             <a:r>
               <a:rPr lang="ko-KR" altLang="en-US" dirty="0"/>
-              <a:t> 적다면 </a:t>
-            </a:r>
-            <a:r>
-              <a:rPr lang="ko-KR" altLang="en-US" dirty="0" err="1"/>
-              <a:t>작은쪽이</a:t>
+              <a:t>공간 분할의 용이함</a:t>
             </a:r>
             <a:endParaRPr lang="en-US" altLang="ko-KR" dirty="0"/>
           </a:p>
@@ -6479,44 +5707,968 @@
             </a:pPr>
             <a:endParaRPr lang="en-US" altLang="ko-KR" dirty="0"/>
           </a:p>
-          <a:p>
-            <a:pPr marL="0" indent="0">
-              <a:buNone/>
-            </a:pPr>
-            <a:r>
-              <a:rPr lang="en-US" altLang="ko-KR" dirty="0"/>
-              <a:t>-</a:t>
-            </a:r>
-            <a:r>
-              <a:rPr lang="ko-KR" altLang="en-US" dirty="0"/>
-              <a:t>유저의 </a:t>
-            </a:r>
-            <a:r>
-              <a:rPr lang="ko-KR" altLang="en-US" dirty="0" err="1"/>
-              <a:t>이동많거나</a:t>
-            </a:r>
-            <a:r>
-              <a:rPr lang="ko-KR" altLang="en-US" dirty="0"/>
-              <a:t> 상호작용의 거리가 길다면 </a:t>
-            </a:r>
-            <a:r>
-              <a:rPr lang="ko-KR" altLang="en-US" dirty="0" err="1"/>
-              <a:t>큰쪽이</a:t>
-            </a:r>
-            <a:endParaRPr lang="en-US" altLang="ko-KR" dirty="0"/>
-          </a:p>
-          <a:p>
-            <a:pPr marL="0" indent="0">
-              <a:buNone/>
-            </a:pPr>
-            <a:endParaRPr lang="en-US" altLang="ko-KR" dirty="0"/>
-          </a:p>
-        </p:txBody>
-      </p:sp>
+        </p:txBody>
+      </p:sp>
+      <p:graphicFrame>
+        <p:nvGraphicFramePr>
+          <p:cNvPr id="7" name="표 6">
+            <a:extLst>
+              <a:ext uri="{FF2B5EF4-FFF2-40B4-BE49-F238E27FC236}">
+                <a16:creationId xmlns:a16="http://schemas.microsoft.com/office/drawing/2014/main" id="{A3FA87D4-3431-1AED-465E-D077AA249016}"/>
+              </a:ext>
+            </a:extLst>
+          </p:cNvPr>
+          <p:cNvGraphicFramePr>
+            <a:graphicFrameLocks noGrp="1"/>
+          </p:cNvGraphicFramePr>
+          <p:nvPr>
+            <p:extLst>
+              <p:ext uri="{D42A27DB-BD31-4B8C-83A1-F6EECF244321}">
+                <p14:modId xmlns:p14="http://schemas.microsoft.com/office/powerpoint/2010/main" val="495765175"/>
+              </p:ext>
+            </p:extLst>
+          </p:nvPr>
+        </p:nvGraphicFramePr>
+        <p:xfrm>
+          <a:off x="6096000" y="1417674"/>
+          <a:ext cx="5370240" cy="4685410"/>
+        </p:xfrm>
+        <a:graphic>
+          <a:graphicData uri="http://schemas.openxmlformats.org/drawingml/2006/table">
+            <a:tbl>
+              <a:tblPr firstRow="1" bandRow="1">
+                <a:tableStyleId>{5C22544A-7EE6-4342-B048-85BDC9FD1C3A}</a:tableStyleId>
+              </a:tblPr>
+              <a:tblGrid>
+                <a:gridCol w="1074048">
+                  <a:extLst>
+                    <a:ext uri="{9D8B030D-6E8A-4147-A177-3AD203B41FA5}">
+                      <a16:colId xmlns:a16="http://schemas.microsoft.com/office/drawing/2014/main" val="668889466"/>
+                    </a:ext>
+                  </a:extLst>
+                </a:gridCol>
+                <a:gridCol w="1074048">
+                  <a:extLst>
+                    <a:ext uri="{9D8B030D-6E8A-4147-A177-3AD203B41FA5}">
+                      <a16:colId xmlns:a16="http://schemas.microsoft.com/office/drawing/2014/main" val="1409582572"/>
+                    </a:ext>
+                  </a:extLst>
+                </a:gridCol>
+                <a:gridCol w="1074048">
+                  <a:extLst>
+                    <a:ext uri="{9D8B030D-6E8A-4147-A177-3AD203B41FA5}">
+                      <a16:colId xmlns:a16="http://schemas.microsoft.com/office/drawing/2014/main" val="1257632638"/>
+                    </a:ext>
+                  </a:extLst>
+                </a:gridCol>
+                <a:gridCol w="1074048">
+                  <a:extLst>
+                    <a:ext uri="{9D8B030D-6E8A-4147-A177-3AD203B41FA5}">
+                      <a16:colId xmlns:a16="http://schemas.microsoft.com/office/drawing/2014/main" val="2389046098"/>
+                    </a:ext>
+                  </a:extLst>
+                </a:gridCol>
+                <a:gridCol w="1074048">
+                  <a:extLst>
+                    <a:ext uri="{9D8B030D-6E8A-4147-A177-3AD203B41FA5}">
+                      <a16:colId xmlns:a16="http://schemas.microsoft.com/office/drawing/2014/main" val="1972500375"/>
+                    </a:ext>
+                  </a:extLst>
+                </a:gridCol>
+              </a:tblGrid>
+              <a:tr h="937082">
+                <a:tc>
+                  <a:txBody>
+                    <a:bodyPr/>
+                    <a:lstStyle/>
+                    <a:p>
+                      <a:pPr algn="ctr" latinLnBrk="1"/>
+                      <a:endParaRPr lang="en-US" altLang="ko-KR" b="1" dirty="0">
+                        <a:solidFill>
+                          <a:schemeClr val="tx1"/>
+                        </a:solidFill>
+                      </a:endParaRPr>
+                    </a:p>
+                    <a:p>
+                      <a:pPr algn="ctr" latinLnBrk="1"/>
+                      <a:r>
+                        <a:rPr lang="en-US" altLang="ko-KR" b="1" dirty="0">
+                          <a:solidFill>
+                            <a:schemeClr val="bg1"/>
+                          </a:solidFill>
+                        </a:rPr>
+                        <a:t>1</a:t>
+                      </a:r>
+                      <a:endParaRPr lang="ko-KR" altLang="en-US" b="1" dirty="0">
+                        <a:solidFill>
+                          <a:schemeClr val="bg1"/>
+                        </a:solidFill>
+                      </a:endParaRPr>
+                    </a:p>
+                  </a:txBody>
+                  <a:tcPr>
+                    <a:solidFill>
+                      <a:schemeClr val="tx1"/>
+                    </a:solidFill>
+                  </a:tcPr>
+                </a:tc>
+                <a:tc>
+                  <a:txBody>
+                    <a:bodyPr/>
+                    <a:lstStyle/>
+                    <a:p>
+                      <a:pPr algn="ctr" latinLnBrk="1"/>
+                      <a:endParaRPr lang="en-US" altLang="ko-KR" b="1" dirty="0">
+                        <a:solidFill>
+                          <a:schemeClr val="tx1"/>
+                        </a:solidFill>
+                      </a:endParaRPr>
+                    </a:p>
+                    <a:p>
+                      <a:pPr algn="ctr" latinLnBrk="1"/>
+                      <a:r>
+                        <a:rPr lang="en-US" altLang="ko-KR" b="1" dirty="0">
+                          <a:solidFill>
+                            <a:schemeClr val="tx1"/>
+                          </a:solidFill>
+                        </a:rPr>
+                        <a:t>2</a:t>
+                      </a:r>
+                      <a:endParaRPr lang="ko-KR" altLang="en-US" b="1" dirty="0">
+                        <a:solidFill>
+                          <a:schemeClr val="tx1"/>
+                        </a:solidFill>
+                      </a:endParaRPr>
+                    </a:p>
+                  </a:txBody>
+                  <a:tcPr>
+                    <a:solidFill>
+                      <a:schemeClr val="bg1"/>
+                    </a:solidFill>
+                  </a:tcPr>
+                </a:tc>
+                <a:tc>
+                  <a:txBody>
+                    <a:bodyPr/>
+                    <a:lstStyle/>
+                    <a:p>
+                      <a:pPr algn="ctr" latinLnBrk="1"/>
+                      <a:endParaRPr lang="en-US" altLang="ko-KR" b="1" dirty="0">
+                        <a:solidFill>
+                          <a:schemeClr val="tx1"/>
+                        </a:solidFill>
+                      </a:endParaRPr>
+                    </a:p>
+                    <a:p>
+                      <a:pPr algn="ctr" latinLnBrk="1"/>
+                      <a:r>
+                        <a:rPr lang="en-US" altLang="ko-KR" b="1" dirty="0">
+                          <a:solidFill>
+                            <a:schemeClr val="bg1"/>
+                          </a:solidFill>
+                        </a:rPr>
+                        <a:t>3</a:t>
+                      </a:r>
+                      <a:endParaRPr lang="ko-KR" altLang="en-US" b="1" dirty="0">
+                        <a:solidFill>
+                          <a:schemeClr val="bg1"/>
+                        </a:solidFill>
+                      </a:endParaRPr>
+                    </a:p>
+                  </a:txBody>
+                  <a:tcPr>
+                    <a:solidFill>
+                      <a:schemeClr val="tx1"/>
+                    </a:solidFill>
+                  </a:tcPr>
+                </a:tc>
+                <a:tc>
+                  <a:txBody>
+                    <a:bodyPr/>
+                    <a:lstStyle/>
+                    <a:p>
+                      <a:pPr algn="ctr" latinLnBrk="1"/>
+                      <a:endParaRPr lang="en-US" altLang="ko-KR" b="1" dirty="0">
+                        <a:solidFill>
+                          <a:schemeClr val="tx1"/>
+                        </a:solidFill>
+                      </a:endParaRPr>
+                    </a:p>
+                    <a:p>
+                      <a:pPr algn="ctr" latinLnBrk="1"/>
+                      <a:r>
+                        <a:rPr lang="en-US" altLang="ko-KR" b="1" dirty="0">
+                          <a:solidFill>
+                            <a:schemeClr val="tx1"/>
+                          </a:solidFill>
+                        </a:rPr>
+                        <a:t>4</a:t>
+                      </a:r>
+                      <a:endParaRPr lang="ko-KR" altLang="en-US" b="1" dirty="0">
+                        <a:solidFill>
+                          <a:schemeClr val="tx1"/>
+                        </a:solidFill>
+                      </a:endParaRPr>
+                    </a:p>
+                  </a:txBody>
+                  <a:tcPr>
+                    <a:solidFill>
+                      <a:schemeClr val="bg1"/>
+                    </a:solidFill>
+                  </a:tcPr>
+                </a:tc>
+                <a:tc>
+                  <a:txBody>
+                    <a:bodyPr/>
+                    <a:lstStyle/>
+                    <a:p>
+                      <a:pPr algn="ctr" latinLnBrk="1"/>
+                      <a:endParaRPr lang="en-US" altLang="ko-KR" b="1" dirty="0">
+                        <a:solidFill>
+                          <a:schemeClr val="tx1"/>
+                        </a:solidFill>
+                      </a:endParaRPr>
+                    </a:p>
+                    <a:p>
+                      <a:pPr algn="ctr" latinLnBrk="1"/>
+                      <a:r>
+                        <a:rPr lang="en-US" altLang="ko-KR" b="1" dirty="0">
+                          <a:solidFill>
+                            <a:schemeClr val="bg1"/>
+                          </a:solidFill>
+                        </a:rPr>
+                        <a:t>5</a:t>
+                      </a:r>
+                      <a:endParaRPr lang="ko-KR" altLang="en-US" b="1" dirty="0">
+                        <a:solidFill>
+                          <a:schemeClr val="bg1"/>
+                        </a:solidFill>
+                      </a:endParaRPr>
+                    </a:p>
+                  </a:txBody>
+                  <a:tcPr>
+                    <a:solidFill>
+                      <a:schemeClr val="tx1"/>
+                    </a:solidFill>
+                  </a:tcPr>
+                </a:tc>
+                <a:extLst>
+                  <a:ext uri="{0D108BD9-81ED-4DB2-BD59-A6C34878D82A}">
+                    <a16:rowId xmlns:a16="http://schemas.microsoft.com/office/drawing/2014/main" val="216117813"/>
+                  </a:ext>
+                </a:extLst>
+              </a:tr>
+              <a:tr h="937082">
+                <a:tc>
+                  <a:txBody>
+                    <a:bodyPr/>
+                    <a:lstStyle/>
+                    <a:p>
+                      <a:pPr algn="ctr" latinLnBrk="1"/>
+                      <a:endParaRPr lang="en-US" altLang="ko-KR" b="1" dirty="0">
+                        <a:solidFill>
+                          <a:schemeClr val="tx1"/>
+                        </a:solidFill>
+                      </a:endParaRPr>
+                    </a:p>
+                    <a:p>
+                      <a:pPr algn="ctr" latinLnBrk="1"/>
+                      <a:r>
+                        <a:rPr lang="en-US" altLang="ko-KR" b="1" dirty="0">
+                          <a:solidFill>
+                            <a:schemeClr val="tx1"/>
+                          </a:solidFill>
+                        </a:rPr>
+                        <a:t>6</a:t>
+                      </a:r>
+                      <a:endParaRPr lang="ko-KR" altLang="en-US" b="1" dirty="0">
+                        <a:solidFill>
+                          <a:schemeClr val="tx1"/>
+                        </a:solidFill>
+                      </a:endParaRPr>
+                    </a:p>
+                  </a:txBody>
+                  <a:tcPr>
+                    <a:solidFill>
+                      <a:schemeClr val="bg1"/>
+                    </a:solidFill>
+                  </a:tcPr>
+                </a:tc>
+                <a:tc>
+                  <a:txBody>
+                    <a:bodyPr/>
+                    <a:lstStyle/>
+                    <a:p>
+                      <a:pPr algn="ctr" latinLnBrk="1"/>
+                      <a:endParaRPr lang="en-US" altLang="ko-KR" b="1" dirty="0">
+                        <a:solidFill>
+                          <a:schemeClr val="tx1"/>
+                        </a:solidFill>
+                      </a:endParaRPr>
+                    </a:p>
+                    <a:p>
+                      <a:pPr algn="ctr" latinLnBrk="1"/>
+                      <a:r>
+                        <a:rPr lang="en-US" altLang="ko-KR" b="1" dirty="0">
+                          <a:solidFill>
+                            <a:schemeClr val="bg1"/>
+                          </a:solidFill>
+                        </a:rPr>
+                        <a:t>7</a:t>
+                      </a:r>
+                      <a:endParaRPr lang="ko-KR" altLang="en-US" b="1" dirty="0">
+                        <a:solidFill>
+                          <a:schemeClr val="bg1"/>
+                        </a:solidFill>
+                      </a:endParaRPr>
+                    </a:p>
+                  </a:txBody>
+                  <a:tcPr>
+                    <a:solidFill>
+                      <a:schemeClr val="tx1"/>
+                    </a:solidFill>
+                  </a:tcPr>
+                </a:tc>
+                <a:tc>
+                  <a:txBody>
+                    <a:bodyPr/>
+                    <a:lstStyle/>
+                    <a:p>
+                      <a:pPr algn="ctr" latinLnBrk="1"/>
+                      <a:endParaRPr lang="en-US" altLang="ko-KR" b="1" dirty="0">
+                        <a:solidFill>
+                          <a:schemeClr val="tx1"/>
+                        </a:solidFill>
+                      </a:endParaRPr>
+                    </a:p>
+                    <a:p>
+                      <a:pPr algn="ctr" latinLnBrk="1"/>
+                      <a:r>
+                        <a:rPr lang="en-US" altLang="ko-KR" b="1" dirty="0">
+                          <a:solidFill>
+                            <a:schemeClr val="tx1"/>
+                          </a:solidFill>
+                        </a:rPr>
+                        <a:t>8</a:t>
+                      </a:r>
+                    </a:p>
+                  </a:txBody>
+                  <a:tcPr>
+                    <a:solidFill>
+                      <a:schemeClr val="bg1"/>
+                    </a:solidFill>
+                  </a:tcPr>
+                </a:tc>
+                <a:tc>
+                  <a:txBody>
+                    <a:bodyPr/>
+                    <a:lstStyle/>
+                    <a:p>
+                      <a:pPr algn="ctr" latinLnBrk="1"/>
+                      <a:endParaRPr lang="en-US" altLang="ko-KR" b="1" dirty="0">
+                        <a:solidFill>
+                          <a:schemeClr val="tx1"/>
+                        </a:solidFill>
+                      </a:endParaRPr>
+                    </a:p>
+                    <a:p>
+                      <a:pPr algn="ctr" latinLnBrk="1"/>
+                      <a:r>
+                        <a:rPr lang="en-US" altLang="ko-KR" b="1" dirty="0">
+                          <a:solidFill>
+                            <a:schemeClr val="bg1"/>
+                          </a:solidFill>
+                        </a:rPr>
+                        <a:t>9</a:t>
+                      </a:r>
+                      <a:endParaRPr lang="ko-KR" altLang="en-US" b="1" dirty="0">
+                        <a:solidFill>
+                          <a:schemeClr val="bg1"/>
+                        </a:solidFill>
+                      </a:endParaRPr>
+                    </a:p>
+                  </a:txBody>
+                  <a:tcPr>
+                    <a:solidFill>
+                      <a:schemeClr val="tx1"/>
+                    </a:solidFill>
+                  </a:tcPr>
+                </a:tc>
+                <a:tc>
+                  <a:txBody>
+                    <a:bodyPr/>
+                    <a:lstStyle/>
+                    <a:p>
+                      <a:pPr algn="ctr" latinLnBrk="1"/>
+                      <a:endParaRPr lang="en-US" altLang="ko-KR" b="1" dirty="0">
+                        <a:solidFill>
+                          <a:schemeClr val="tx1"/>
+                        </a:solidFill>
+                      </a:endParaRPr>
+                    </a:p>
+                    <a:p>
+                      <a:pPr algn="ctr" latinLnBrk="1"/>
+                      <a:r>
+                        <a:rPr lang="en-US" altLang="ko-KR" b="1" dirty="0">
+                          <a:solidFill>
+                            <a:schemeClr val="tx1"/>
+                          </a:solidFill>
+                        </a:rPr>
+                        <a:t>10</a:t>
+                      </a:r>
+                      <a:endParaRPr lang="ko-KR" altLang="en-US" b="1" dirty="0">
+                        <a:solidFill>
+                          <a:schemeClr val="tx1"/>
+                        </a:solidFill>
+                      </a:endParaRPr>
+                    </a:p>
+                  </a:txBody>
+                  <a:tcPr>
+                    <a:solidFill>
+                      <a:schemeClr val="bg1"/>
+                    </a:solidFill>
+                  </a:tcPr>
+                </a:tc>
+                <a:extLst>
+                  <a:ext uri="{0D108BD9-81ED-4DB2-BD59-A6C34878D82A}">
+                    <a16:rowId xmlns:a16="http://schemas.microsoft.com/office/drawing/2014/main" val="1396591346"/>
+                  </a:ext>
+                </a:extLst>
+              </a:tr>
+              <a:tr h="937082">
+                <a:tc>
+                  <a:txBody>
+                    <a:bodyPr/>
+                    <a:lstStyle/>
+                    <a:p>
+                      <a:pPr algn="ctr" latinLnBrk="1"/>
+                      <a:endParaRPr lang="en-US" altLang="ko-KR" b="1" dirty="0">
+                        <a:solidFill>
+                          <a:schemeClr val="tx1"/>
+                        </a:solidFill>
+                      </a:endParaRPr>
+                    </a:p>
+                    <a:p>
+                      <a:pPr algn="ctr" latinLnBrk="1"/>
+                      <a:r>
+                        <a:rPr lang="en-US" altLang="ko-KR" b="1" dirty="0">
+                          <a:solidFill>
+                            <a:schemeClr val="bg1"/>
+                          </a:solidFill>
+                        </a:rPr>
+                        <a:t>11</a:t>
+                      </a:r>
+                      <a:endParaRPr lang="ko-KR" altLang="en-US" b="1" dirty="0">
+                        <a:solidFill>
+                          <a:schemeClr val="bg1"/>
+                        </a:solidFill>
+                      </a:endParaRPr>
+                    </a:p>
+                  </a:txBody>
+                  <a:tcPr>
+                    <a:solidFill>
+                      <a:schemeClr val="tx1"/>
+                    </a:solidFill>
+                  </a:tcPr>
+                </a:tc>
+                <a:tc>
+                  <a:txBody>
+                    <a:bodyPr/>
+                    <a:lstStyle/>
+                    <a:p>
+                      <a:pPr algn="ctr" latinLnBrk="1"/>
+                      <a:endParaRPr lang="en-US" altLang="ko-KR" b="1" dirty="0">
+                        <a:solidFill>
+                          <a:schemeClr val="tx1"/>
+                        </a:solidFill>
+                      </a:endParaRPr>
+                    </a:p>
+                    <a:p>
+                      <a:pPr algn="ctr" latinLnBrk="1"/>
+                      <a:r>
+                        <a:rPr lang="en-US" altLang="ko-KR" b="1" dirty="0">
+                          <a:solidFill>
+                            <a:schemeClr val="tx1"/>
+                          </a:solidFill>
+                        </a:rPr>
+                        <a:t>12</a:t>
+                      </a:r>
+                      <a:endParaRPr lang="ko-KR" altLang="en-US" b="1" dirty="0">
+                        <a:solidFill>
+                          <a:schemeClr val="tx1"/>
+                        </a:solidFill>
+                      </a:endParaRPr>
+                    </a:p>
+                  </a:txBody>
+                  <a:tcPr>
+                    <a:solidFill>
+                      <a:schemeClr val="bg1"/>
+                    </a:solidFill>
+                  </a:tcPr>
+                </a:tc>
+                <a:tc>
+                  <a:txBody>
+                    <a:bodyPr/>
+                    <a:lstStyle/>
+                    <a:p>
+                      <a:pPr algn="ctr" latinLnBrk="1"/>
+                      <a:endParaRPr lang="en-US" altLang="ko-KR" b="1" dirty="0">
+                        <a:solidFill>
+                          <a:schemeClr val="tx1"/>
+                        </a:solidFill>
+                      </a:endParaRPr>
+                    </a:p>
+                    <a:p>
+                      <a:pPr algn="ctr" latinLnBrk="1"/>
+                      <a:r>
+                        <a:rPr lang="en-US" altLang="ko-KR" b="1" dirty="0">
+                          <a:solidFill>
+                            <a:schemeClr val="bg1"/>
+                          </a:solidFill>
+                        </a:rPr>
+                        <a:t>13</a:t>
+                      </a:r>
+                      <a:endParaRPr lang="ko-KR" altLang="en-US" b="1" dirty="0">
+                        <a:solidFill>
+                          <a:schemeClr val="bg1"/>
+                        </a:solidFill>
+                      </a:endParaRPr>
+                    </a:p>
+                  </a:txBody>
+                  <a:tcPr>
+                    <a:solidFill>
+                      <a:schemeClr val="tx1"/>
+                    </a:solidFill>
+                  </a:tcPr>
+                </a:tc>
+                <a:tc>
+                  <a:txBody>
+                    <a:bodyPr/>
+                    <a:lstStyle/>
+                    <a:p>
+                      <a:pPr algn="ctr" latinLnBrk="1"/>
+                      <a:endParaRPr lang="en-US" altLang="ko-KR" b="1" dirty="0">
+                        <a:solidFill>
+                          <a:schemeClr val="tx1"/>
+                        </a:solidFill>
+                      </a:endParaRPr>
+                    </a:p>
+                    <a:p>
+                      <a:pPr algn="ctr" latinLnBrk="1"/>
+                      <a:r>
+                        <a:rPr lang="en-US" altLang="ko-KR" b="1" dirty="0">
+                          <a:solidFill>
+                            <a:schemeClr val="tx1"/>
+                          </a:solidFill>
+                        </a:rPr>
+                        <a:t>14</a:t>
+                      </a:r>
+                      <a:endParaRPr lang="ko-KR" altLang="en-US" b="1" dirty="0">
+                        <a:solidFill>
+                          <a:schemeClr val="tx1"/>
+                        </a:solidFill>
+                      </a:endParaRPr>
+                    </a:p>
+                  </a:txBody>
+                  <a:tcPr>
+                    <a:solidFill>
+                      <a:schemeClr val="bg1"/>
+                    </a:solidFill>
+                  </a:tcPr>
+                </a:tc>
+                <a:tc>
+                  <a:txBody>
+                    <a:bodyPr/>
+                    <a:lstStyle/>
+                    <a:p>
+                      <a:pPr algn="ctr" latinLnBrk="1"/>
+                      <a:endParaRPr lang="en-US" altLang="ko-KR" b="1" dirty="0">
+                        <a:solidFill>
+                          <a:schemeClr val="tx1"/>
+                        </a:solidFill>
+                      </a:endParaRPr>
+                    </a:p>
+                    <a:p>
+                      <a:pPr algn="ctr" latinLnBrk="1"/>
+                      <a:r>
+                        <a:rPr lang="en-US" altLang="ko-KR" b="1" dirty="0">
+                          <a:solidFill>
+                            <a:schemeClr val="bg1"/>
+                          </a:solidFill>
+                        </a:rPr>
+                        <a:t>15</a:t>
+                      </a:r>
+                    </a:p>
+                  </a:txBody>
+                  <a:tcPr>
+                    <a:solidFill>
+                      <a:schemeClr val="tx1"/>
+                    </a:solidFill>
+                  </a:tcPr>
+                </a:tc>
+                <a:extLst>
+                  <a:ext uri="{0D108BD9-81ED-4DB2-BD59-A6C34878D82A}">
+                    <a16:rowId xmlns:a16="http://schemas.microsoft.com/office/drawing/2014/main" val="3357709261"/>
+                  </a:ext>
+                </a:extLst>
+              </a:tr>
+              <a:tr h="937082">
+                <a:tc>
+                  <a:txBody>
+                    <a:bodyPr/>
+                    <a:lstStyle/>
+                    <a:p>
+                      <a:pPr algn="ctr" latinLnBrk="1"/>
+                      <a:endParaRPr lang="en-US" altLang="ko-KR" b="1" dirty="0">
+                        <a:solidFill>
+                          <a:schemeClr val="tx1"/>
+                        </a:solidFill>
+                      </a:endParaRPr>
+                    </a:p>
+                    <a:p>
+                      <a:pPr algn="ctr" latinLnBrk="1"/>
+                      <a:r>
+                        <a:rPr lang="en-US" altLang="ko-KR" b="1" dirty="0">
+                          <a:solidFill>
+                            <a:schemeClr val="tx1"/>
+                          </a:solidFill>
+                        </a:rPr>
+                        <a:t>16</a:t>
+                      </a:r>
+                    </a:p>
+                  </a:txBody>
+                  <a:tcPr>
+                    <a:solidFill>
+                      <a:schemeClr val="bg1"/>
+                    </a:solidFill>
+                  </a:tcPr>
+                </a:tc>
+                <a:tc>
+                  <a:txBody>
+                    <a:bodyPr/>
+                    <a:lstStyle/>
+                    <a:p>
+                      <a:pPr algn="ctr" latinLnBrk="1"/>
+                      <a:endParaRPr lang="en-US" altLang="ko-KR" b="1" dirty="0">
+                        <a:solidFill>
+                          <a:schemeClr val="tx1"/>
+                        </a:solidFill>
+                      </a:endParaRPr>
+                    </a:p>
+                    <a:p>
+                      <a:pPr algn="ctr" latinLnBrk="1"/>
+                      <a:r>
+                        <a:rPr lang="en-US" altLang="ko-KR" b="1" dirty="0">
+                          <a:solidFill>
+                            <a:schemeClr val="bg1"/>
+                          </a:solidFill>
+                        </a:rPr>
+                        <a:t>17</a:t>
+                      </a:r>
+                      <a:endParaRPr lang="ko-KR" altLang="en-US" b="1" dirty="0">
+                        <a:solidFill>
+                          <a:schemeClr val="bg1"/>
+                        </a:solidFill>
+                      </a:endParaRPr>
+                    </a:p>
+                  </a:txBody>
+                  <a:tcPr>
+                    <a:solidFill>
+                      <a:schemeClr val="tx1"/>
+                    </a:solidFill>
+                  </a:tcPr>
+                </a:tc>
+                <a:tc>
+                  <a:txBody>
+                    <a:bodyPr/>
+                    <a:lstStyle/>
+                    <a:p>
+                      <a:pPr algn="ctr" latinLnBrk="1"/>
+                      <a:endParaRPr lang="en-US" altLang="ko-KR" b="1" dirty="0">
+                        <a:solidFill>
+                          <a:schemeClr val="tx1"/>
+                        </a:solidFill>
+                      </a:endParaRPr>
+                    </a:p>
+                    <a:p>
+                      <a:pPr algn="ctr" latinLnBrk="1"/>
+                      <a:r>
+                        <a:rPr lang="en-US" altLang="ko-KR" b="1" dirty="0">
+                          <a:solidFill>
+                            <a:schemeClr val="tx1"/>
+                          </a:solidFill>
+                        </a:rPr>
+                        <a:t>18</a:t>
+                      </a:r>
+                      <a:endParaRPr lang="ko-KR" altLang="en-US" b="1" dirty="0">
+                        <a:solidFill>
+                          <a:schemeClr val="tx1"/>
+                        </a:solidFill>
+                      </a:endParaRPr>
+                    </a:p>
+                  </a:txBody>
+                  <a:tcPr>
+                    <a:solidFill>
+                      <a:schemeClr val="bg1"/>
+                    </a:solidFill>
+                  </a:tcPr>
+                </a:tc>
+                <a:tc>
+                  <a:txBody>
+                    <a:bodyPr/>
+                    <a:lstStyle/>
+                    <a:p>
+                      <a:pPr algn="ctr" latinLnBrk="1"/>
+                      <a:endParaRPr lang="en-US" altLang="ko-KR" b="1" dirty="0">
+                        <a:solidFill>
+                          <a:schemeClr val="tx1"/>
+                        </a:solidFill>
+                      </a:endParaRPr>
+                    </a:p>
+                    <a:p>
+                      <a:pPr algn="ctr" latinLnBrk="1"/>
+                      <a:r>
+                        <a:rPr lang="en-US" altLang="ko-KR" b="1" dirty="0">
+                          <a:solidFill>
+                            <a:schemeClr val="bg1"/>
+                          </a:solidFill>
+                        </a:rPr>
+                        <a:t>19</a:t>
+                      </a:r>
+                    </a:p>
+                  </a:txBody>
+                  <a:tcPr>
+                    <a:solidFill>
+                      <a:schemeClr val="tx1"/>
+                    </a:solidFill>
+                  </a:tcPr>
+                </a:tc>
+                <a:tc>
+                  <a:txBody>
+                    <a:bodyPr/>
+                    <a:lstStyle/>
+                    <a:p>
+                      <a:pPr algn="ctr" latinLnBrk="1"/>
+                      <a:endParaRPr lang="en-US" altLang="ko-KR" b="1" dirty="0">
+                        <a:solidFill>
+                          <a:schemeClr val="tx1"/>
+                        </a:solidFill>
+                      </a:endParaRPr>
+                    </a:p>
+                    <a:p>
+                      <a:pPr algn="ctr" latinLnBrk="1"/>
+                      <a:r>
+                        <a:rPr lang="en-US" altLang="ko-KR" b="1" dirty="0">
+                          <a:solidFill>
+                            <a:schemeClr val="tx1"/>
+                          </a:solidFill>
+                        </a:rPr>
+                        <a:t>20</a:t>
+                      </a:r>
+                      <a:endParaRPr lang="ko-KR" altLang="en-US" b="1" dirty="0">
+                        <a:solidFill>
+                          <a:schemeClr val="tx1"/>
+                        </a:solidFill>
+                      </a:endParaRPr>
+                    </a:p>
+                  </a:txBody>
+                  <a:tcPr>
+                    <a:solidFill>
+                      <a:schemeClr val="bg1"/>
+                    </a:solidFill>
+                  </a:tcPr>
+                </a:tc>
+                <a:extLst>
+                  <a:ext uri="{0D108BD9-81ED-4DB2-BD59-A6C34878D82A}">
+                    <a16:rowId xmlns:a16="http://schemas.microsoft.com/office/drawing/2014/main" val="587535536"/>
+                  </a:ext>
+                </a:extLst>
+              </a:tr>
+              <a:tr h="937082">
+                <a:tc>
+                  <a:txBody>
+                    <a:bodyPr/>
+                    <a:lstStyle/>
+                    <a:p>
+                      <a:pPr algn="ctr" latinLnBrk="1"/>
+                      <a:endParaRPr lang="en-US" altLang="ko-KR" b="1" dirty="0">
+                        <a:solidFill>
+                          <a:schemeClr val="tx1"/>
+                        </a:solidFill>
+                      </a:endParaRPr>
+                    </a:p>
+                    <a:p>
+                      <a:pPr algn="ctr" latinLnBrk="1"/>
+                      <a:r>
+                        <a:rPr lang="en-US" altLang="ko-KR" b="1" dirty="0">
+                          <a:solidFill>
+                            <a:schemeClr val="bg1"/>
+                          </a:solidFill>
+                        </a:rPr>
+                        <a:t>21</a:t>
+                      </a:r>
+                      <a:endParaRPr lang="ko-KR" altLang="en-US" b="1" dirty="0">
+                        <a:solidFill>
+                          <a:schemeClr val="bg1"/>
+                        </a:solidFill>
+                      </a:endParaRPr>
+                    </a:p>
+                  </a:txBody>
+                  <a:tcPr>
+                    <a:solidFill>
+                      <a:schemeClr val="tx1"/>
+                    </a:solidFill>
+                  </a:tcPr>
+                </a:tc>
+                <a:tc>
+                  <a:txBody>
+                    <a:bodyPr/>
+                    <a:lstStyle/>
+                    <a:p>
+                      <a:pPr algn="ctr" latinLnBrk="1"/>
+                      <a:endParaRPr lang="en-US" altLang="ko-KR" b="1" dirty="0">
+                        <a:solidFill>
+                          <a:schemeClr val="tx1"/>
+                        </a:solidFill>
+                      </a:endParaRPr>
+                    </a:p>
+                    <a:p>
+                      <a:pPr algn="ctr" latinLnBrk="1"/>
+                      <a:r>
+                        <a:rPr lang="en-US" altLang="ko-KR" b="1" dirty="0">
+                          <a:solidFill>
+                            <a:schemeClr val="tx1"/>
+                          </a:solidFill>
+                        </a:rPr>
+                        <a:t>22</a:t>
+                      </a:r>
+                      <a:endParaRPr lang="ko-KR" altLang="en-US" b="1" dirty="0">
+                        <a:solidFill>
+                          <a:schemeClr val="tx1"/>
+                        </a:solidFill>
+                      </a:endParaRPr>
+                    </a:p>
+                  </a:txBody>
+                  <a:tcPr>
+                    <a:solidFill>
+                      <a:schemeClr val="bg1"/>
+                    </a:solidFill>
+                  </a:tcPr>
+                </a:tc>
+                <a:tc>
+                  <a:txBody>
+                    <a:bodyPr/>
+                    <a:lstStyle/>
+                    <a:p>
+                      <a:pPr algn="ctr" latinLnBrk="1"/>
+                      <a:endParaRPr lang="en-US" altLang="ko-KR" b="1" dirty="0">
+                        <a:solidFill>
+                          <a:schemeClr val="tx1"/>
+                        </a:solidFill>
+                      </a:endParaRPr>
+                    </a:p>
+                    <a:p>
+                      <a:pPr algn="ctr" latinLnBrk="1"/>
+                      <a:r>
+                        <a:rPr lang="en-US" altLang="ko-KR" b="1" dirty="0">
+                          <a:solidFill>
+                            <a:schemeClr val="bg1"/>
+                          </a:solidFill>
+                        </a:rPr>
+                        <a:t>23</a:t>
+                      </a:r>
+                      <a:endParaRPr lang="ko-KR" altLang="en-US" b="1" dirty="0">
+                        <a:solidFill>
+                          <a:schemeClr val="bg1"/>
+                        </a:solidFill>
+                      </a:endParaRPr>
+                    </a:p>
+                  </a:txBody>
+                  <a:tcPr>
+                    <a:solidFill>
+                      <a:schemeClr val="tx1"/>
+                    </a:solidFill>
+                  </a:tcPr>
+                </a:tc>
+                <a:tc>
+                  <a:txBody>
+                    <a:bodyPr/>
+                    <a:lstStyle/>
+                    <a:p>
+                      <a:pPr algn="ctr" latinLnBrk="1"/>
+                      <a:endParaRPr lang="en-US" altLang="ko-KR" b="1" dirty="0">
+                        <a:solidFill>
+                          <a:schemeClr val="tx1"/>
+                        </a:solidFill>
+                      </a:endParaRPr>
+                    </a:p>
+                    <a:p>
+                      <a:pPr algn="ctr" latinLnBrk="1"/>
+                      <a:r>
+                        <a:rPr lang="en-US" altLang="ko-KR" b="1" dirty="0">
+                          <a:solidFill>
+                            <a:schemeClr val="tx1"/>
+                          </a:solidFill>
+                        </a:rPr>
+                        <a:t>24</a:t>
+                      </a:r>
+                    </a:p>
+                  </a:txBody>
+                  <a:tcPr>
+                    <a:solidFill>
+                      <a:schemeClr val="bg1"/>
+                    </a:solidFill>
+                  </a:tcPr>
+                </a:tc>
+                <a:tc>
+                  <a:txBody>
+                    <a:bodyPr/>
+                    <a:lstStyle/>
+                    <a:p>
+                      <a:pPr algn="ctr" latinLnBrk="1"/>
+                      <a:endParaRPr lang="en-US" altLang="ko-KR" b="1" dirty="0">
+                        <a:solidFill>
+                          <a:schemeClr val="tx1"/>
+                        </a:solidFill>
+                      </a:endParaRPr>
+                    </a:p>
+                    <a:p>
+                      <a:pPr algn="ctr" latinLnBrk="1"/>
+                      <a:r>
+                        <a:rPr lang="en-US" altLang="ko-KR" b="1" dirty="0">
+                          <a:solidFill>
+                            <a:schemeClr val="bg1"/>
+                          </a:solidFill>
+                        </a:rPr>
+                        <a:t>25</a:t>
+                      </a:r>
+                      <a:endParaRPr lang="ko-KR" altLang="en-US" b="1" dirty="0">
+                        <a:solidFill>
+                          <a:schemeClr val="bg1"/>
+                        </a:solidFill>
+                      </a:endParaRPr>
+                    </a:p>
+                  </a:txBody>
+                  <a:tcPr>
+                    <a:solidFill>
+                      <a:schemeClr val="tx1"/>
+                    </a:solidFill>
+                  </a:tcPr>
+                </a:tc>
+                <a:extLst>
+                  <a:ext uri="{0D108BD9-81ED-4DB2-BD59-A6C34878D82A}">
+                    <a16:rowId xmlns:a16="http://schemas.microsoft.com/office/drawing/2014/main" val="3388621295"/>
+                  </a:ext>
+                </a:extLst>
+              </a:tr>
+            </a:tbl>
+          </a:graphicData>
+        </a:graphic>
+      </p:graphicFrame>
     </p:spTree>
     <p:extLst>
       <p:ext uri="{BB962C8B-B14F-4D97-AF65-F5344CB8AC3E}">
-        <p14:creationId xmlns:p14="http://schemas.microsoft.com/office/powerpoint/2010/main" val="675337521"/>
+        <p14:creationId xmlns:p14="http://schemas.microsoft.com/office/powerpoint/2010/main" val="505230582"/>
       </p:ext>
     </p:extLst>
   </p:cSld>
@@ -6856,52 +7008,81 @@
           <a:p>
             <a:r>
               <a:rPr lang="ko-KR" altLang="en-US" dirty="0"/>
-              <a:t>목표</a:t>
-            </a:r>
+              <a:t>무엇이 더 좋은가</a:t>
+            </a:r>
+            <a:r>
+              <a:rPr lang="en-US" altLang="ko-KR" dirty="0"/>
+              <a:t>?</a:t>
+            </a:r>
+          </a:p>
+          <a:p>
             <a:endParaRPr lang="en-US" altLang="ko-KR" dirty="0"/>
           </a:p>
           <a:p>
+            <a:pPr marL="0" indent="0">
+              <a:buNone/>
+            </a:pPr>
+            <a:r>
+              <a:rPr lang="ko-KR" altLang="en-US" dirty="0"/>
+              <a:t>그때그때 다르다</a:t>
+            </a:r>
             <a:endParaRPr lang="en-US" altLang="ko-KR" dirty="0"/>
           </a:p>
           <a:p>
-            <a:pPr marL="514350" indent="-514350">
-              <a:buAutoNum type="arabicPeriod"/>
+            <a:pPr marL="0" indent="0">
+              <a:buNone/>
             </a:pPr>
             <a:r>
+              <a:rPr lang="en-US" altLang="ko-KR" dirty="0"/>
+              <a:t>-</a:t>
+            </a:r>
+            <a:r>
               <a:rPr lang="ko-KR" altLang="en-US" dirty="0"/>
-              <a:t>게임 진행 중 섹터의 크기 변화</a:t>
+              <a:t>유저의 상호작용 거리가 짧고 </a:t>
+            </a:r>
+            <a:r>
+              <a:rPr lang="ko-KR" altLang="en-US" dirty="0" err="1"/>
+              <a:t>이동량이</a:t>
+            </a:r>
+            <a:r>
+              <a:rPr lang="ko-KR" altLang="en-US" dirty="0"/>
+              <a:t> 적다면 </a:t>
+            </a:r>
+            <a:r>
+              <a:rPr lang="ko-KR" altLang="en-US" dirty="0" err="1"/>
+              <a:t>작은쪽이</a:t>
             </a:r>
             <a:endParaRPr lang="en-US" altLang="ko-KR" dirty="0"/>
           </a:p>
           <a:p>
-            <a:pPr marL="514350" indent="-514350">
-              <a:buAutoNum type="arabicPeriod"/>
+            <a:pPr marL="0" indent="0">
+              <a:buNone/>
             </a:pPr>
             <a:endParaRPr lang="en-US" altLang="ko-KR" dirty="0"/>
           </a:p>
           <a:p>
-            <a:pPr marL="514350" indent="-514350">
-              <a:buAutoNum type="arabicPeriod"/>
+            <a:pPr marL="0" indent="0">
+              <a:buNone/>
             </a:pPr>
             <a:r>
+              <a:rPr lang="en-US" altLang="ko-KR" dirty="0"/>
+              <a:t>-</a:t>
+            </a:r>
+            <a:r>
               <a:rPr lang="ko-KR" altLang="en-US" dirty="0"/>
-              <a:t>위치마다 다르게 섹터의 크기를 적용</a:t>
-            </a:r>
-            <a:endParaRPr lang="en-US" altLang="ko-KR" dirty="0"/>
-          </a:p>
-          <a:p>
-            <a:pPr marL="514350" indent="-514350">
-              <a:buAutoNum type="arabicPeriod"/>
-            </a:pPr>
-            <a:endParaRPr lang="en-US" altLang="ko-KR" dirty="0"/>
-          </a:p>
-          <a:p>
-            <a:pPr marL="514350" indent="-514350">
-              <a:buAutoNum type="arabicPeriod"/>
-            </a:pPr>
+              <a:t>유저의 </a:t>
+            </a:r>
+            <a:r>
+              <a:rPr lang="ko-KR" altLang="en-US" dirty="0" err="1"/>
+              <a:t>이동많거나</a:t>
+            </a:r>
             <a:r>
               <a:rPr lang="ko-KR" altLang="en-US" dirty="0"/>
-              <a:t>포괄적으로 가장 효율적인 섹터의 크기로 설정</a:t>
+              <a:t> 상호작용의 거리가 길다면 </a:t>
+            </a:r>
+            <a:r>
+              <a:rPr lang="ko-KR" altLang="en-US" dirty="0" err="1"/>
+              <a:t>큰쪽이</a:t>
             </a:r>
             <a:endParaRPr lang="en-US" altLang="ko-KR" dirty="0"/>
           </a:p>
@@ -6916,7 +7097,7 @@
     </p:spTree>
     <p:extLst>
       <p:ext uri="{BB962C8B-B14F-4D97-AF65-F5344CB8AC3E}">
-        <p14:creationId xmlns:p14="http://schemas.microsoft.com/office/powerpoint/2010/main" val="3954288652"/>
+        <p14:creationId xmlns:p14="http://schemas.microsoft.com/office/powerpoint/2010/main" val="675337521"/>
       </p:ext>
     </p:extLst>
   </p:cSld>
@@ -7029,7 +7210,7 @@
           <a:p>
             <a:r>
               <a:rPr lang="ko-KR" altLang="en-US" dirty="0"/>
-              <a:t>추가 목표</a:t>
+              <a:t>서버 부하 분산</a:t>
             </a:r>
           </a:p>
         </p:txBody>
@@ -7254,6 +7435,406 @@
           <a:bodyPr/>
           <a:lstStyle/>
           <a:p>
+            <a:r>
+              <a:rPr lang="ko-KR" altLang="en-US" dirty="0"/>
+              <a:t>목표</a:t>
+            </a:r>
+            <a:endParaRPr lang="en-US" altLang="ko-KR" dirty="0"/>
+          </a:p>
+          <a:p>
+            <a:endParaRPr lang="en-US" altLang="ko-KR" dirty="0"/>
+          </a:p>
+          <a:p>
+            <a:pPr marL="514350" indent="-514350">
+              <a:buAutoNum type="arabicPeriod"/>
+            </a:pPr>
+            <a:r>
+              <a:rPr lang="ko-KR" altLang="en-US" dirty="0"/>
+              <a:t>게임 진행 중 섹터의 크기 변화</a:t>
+            </a:r>
+            <a:endParaRPr lang="en-US" altLang="ko-KR" dirty="0"/>
+          </a:p>
+          <a:p>
+            <a:pPr marL="514350" indent="-514350">
+              <a:buAutoNum type="arabicPeriod"/>
+            </a:pPr>
+            <a:endParaRPr lang="en-US" altLang="ko-KR" dirty="0"/>
+          </a:p>
+          <a:p>
+            <a:pPr marL="514350" indent="-514350">
+              <a:buAutoNum type="arabicPeriod"/>
+            </a:pPr>
+            <a:r>
+              <a:rPr lang="ko-KR" altLang="en-US" dirty="0"/>
+              <a:t>위치마다 다르게 섹터의 크기를 적용</a:t>
+            </a:r>
+            <a:endParaRPr lang="en-US" altLang="ko-KR" dirty="0"/>
+          </a:p>
+          <a:p>
+            <a:pPr marL="514350" indent="-514350">
+              <a:buAutoNum type="arabicPeriod"/>
+            </a:pPr>
+            <a:endParaRPr lang="en-US" altLang="ko-KR" dirty="0"/>
+          </a:p>
+          <a:p>
+            <a:pPr marL="514350" indent="-514350">
+              <a:buAutoNum type="arabicPeriod"/>
+            </a:pPr>
+            <a:r>
+              <a:rPr lang="ko-KR" altLang="en-US" dirty="0"/>
+              <a:t>포괄적으로 가장 효율적인 섹터의 크기로 설정</a:t>
+            </a:r>
+            <a:endParaRPr lang="en-US" altLang="ko-KR" dirty="0"/>
+          </a:p>
+          <a:p>
+            <a:pPr marL="0" indent="0">
+              <a:buNone/>
+            </a:pPr>
+            <a:endParaRPr lang="en-US" altLang="ko-KR" dirty="0"/>
+          </a:p>
+        </p:txBody>
+      </p:sp>
+    </p:spTree>
+    <p:extLst>
+      <p:ext uri="{BB962C8B-B14F-4D97-AF65-F5344CB8AC3E}">
+        <p14:creationId xmlns:p14="http://schemas.microsoft.com/office/powerpoint/2010/main" val="3954288652"/>
+      </p:ext>
+    </p:extLst>
+  </p:cSld>
+  <p:clrMapOvr>
+    <a:masterClrMapping/>
+  </p:clrMapOvr>
+</p:sld>
+</file>
+
+<file path=ppt/slides/slide8.xml><?xml version="1.0" encoding="utf-8"?>
+<p:sld xmlns:a="http://schemas.openxmlformats.org/drawingml/2006/main" xmlns:r="http://schemas.openxmlformats.org/officeDocument/2006/relationships" xmlns:p="http://schemas.openxmlformats.org/presentationml/2006/main">
+  <p:cSld>
+    <p:spTree>
+      <p:nvGrpSpPr>
+        <p:cNvPr id="1" name=""/>
+        <p:cNvGrpSpPr/>
+        <p:nvPr/>
+      </p:nvGrpSpPr>
+      <p:grpSpPr>
+        <a:xfrm>
+          <a:off x="0" y="0"/>
+          <a:ext cx="0" cy="0"/>
+          <a:chOff x="0" y="0"/>
+          <a:chExt cx="0" cy="0"/>
+        </a:xfrm>
+      </p:grpSpPr>
+      <p:sp>
+        <p:nvSpPr>
+          <p:cNvPr id="4" name="직사각형 3">
+            <a:extLst>
+              <a:ext uri="{FF2B5EF4-FFF2-40B4-BE49-F238E27FC236}">
+                <a16:creationId xmlns:a16="http://schemas.microsoft.com/office/drawing/2014/main" id="{5A61402E-C74E-9FA7-BD72-EE76DD64C74F}"/>
+              </a:ext>
+            </a:extLst>
+          </p:cNvPr>
+          <p:cNvSpPr/>
+          <p:nvPr/>
+        </p:nvSpPr>
+        <p:spPr>
+          <a:xfrm>
+            <a:off x="0" y="0"/>
+            <a:ext cx="12192000" cy="6858000"/>
+          </a:xfrm>
+          <a:prstGeom prst="rect">
+            <a:avLst/>
+          </a:prstGeom>
+          <a:gradFill>
+            <a:gsLst>
+              <a:gs pos="0">
+                <a:schemeClr val="accent1">
+                  <a:lumMod val="5000"/>
+                  <a:lumOff val="95000"/>
+                </a:schemeClr>
+              </a:gs>
+              <a:gs pos="100000">
+                <a:schemeClr val="accent1">
+                  <a:lumMod val="30000"/>
+                  <a:lumOff val="70000"/>
+                </a:schemeClr>
+              </a:gs>
+            </a:gsLst>
+            <a:lin ang="5400000" scaled="1"/>
+          </a:gradFill>
+        </p:spPr>
+        <p:style>
+          <a:lnRef idx="2">
+            <a:schemeClr val="accent1">
+              <a:shade val="15000"/>
+            </a:schemeClr>
+          </a:lnRef>
+          <a:fillRef idx="1">
+            <a:schemeClr val="accent1"/>
+          </a:fillRef>
+          <a:effectRef idx="0">
+            <a:schemeClr val="accent1"/>
+          </a:effectRef>
+          <a:fontRef idx="minor">
+            <a:schemeClr val="lt1"/>
+          </a:fontRef>
+        </p:style>
+        <p:txBody>
+          <a:bodyPr rtlCol="0" anchor="ctr"/>
+          <a:lstStyle/>
+          <a:p>
+            <a:pPr algn="ctr"/>
+            <a:endParaRPr lang="ko-KR" altLang="en-US"/>
+          </a:p>
+        </p:txBody>
+      </p:sp>
+      <p:sp>
+        <p:nvSpPr>
+          <p:cNvPr id="2" name="제목 1">
+            <a:extLst>
+              <a:ext uri="{FF2B5EF4-FFF2-40B4-BE49-F238E27FC236}">
+                <a16:creationId xmlns:a16="http://schemas.microsoft.com/office/drawing/2014/main" id="{F41711A1-0B48-5311-D071-5092226663F2}"/>
+              </a:ext>
+            </a:extLst>
+          </p:cNvPr>
+          <p:cNvSpPr>
+            <a:spLocks noGrp="1"/>
+          </p:cNvSpPr>
+          <p:nvPr>
+            <p:ph type="title"/>
+          </p:nvPr>
+        </p:nvSpPr>
+        <p:spPr/>
+        <p:txBody>
+          <a:bodyPr/>
+          <a:lstStyle/>
+          <a:p>
+            <a:r>
+              <a:rPr lang="ko-KR" altLang="en-US" dirty="0"/>
+              <a:t>추가 목표</a:t>
+            </a:r>
+          </a:p>
+        </p:txBody>
+      </p:sp>
+      <p:sp>
+        <p:nvSpPr>
+          <p:cNvPr id="5" name="내용 개체 틀 2">
+            <a:extLst>
+              <a:ext uri="{FF2B5EF4-FFF2-40B4-BE49-F238E27FC236}">
+                <a16:creationId xmlns:a16="http://schemas.microsoft.com/office/drawing/2014/main" id="{0E3D1966-1374-FFE6-691E-A9CB2A69C296}"/>
+              </a:ext>
+            </a:extLst>
+          </p:cNvPr>
+          <p:cNvSpPr txBox="1">
+            <a:spLocks/>
+          </p:cNvSpPr>
+          <p:nvPr/>
+        </p:nvSpPr>
+        <p:spPr>
+          <a:xfrm>
+            <a:off x="5626395" y="1822450"/>
+            <a:ext cx="5069958" cy="4351338"/>
+          </a:xfrm>
+          <a:prstGeom prst="rect">
+            <a:avLst/>
+          </a:prstGeom>
+        </p:spPr>
+        <p:txBody>
+          <a:bodyPr vert="horz" lIns="91440" tIns="45720" rIns="91440" bIns="45720" rtlCol="0">
+            <a:normAutofit/>
+          </a:bodyPr>
+          <a:lstStyle>
+            <a:lvl1pPr marL="228600" indent="-228600" algn="l" defTabSz="914400" rtl="0" eaLnBrk="1" latinLnBrk="1" hangingPunct="1">
+              <a:lnSpc>
+                <a:spcPct val="90000"/>
+              </a:lnSpc>
+              <a:spcBef>
+                <a:spcPts val="1000"/>
+              </a:spcBef>
+              <a:buFont typeface="Arial" panose="020B0604020202020204" pitchFamily="34" charset="0"/>
+              <a:buChar char="•"/>
+              <a:defRPr sz="2800" kern="1200">
+                <a:solidFill>
+                  <a:schemeClr val="tx1"/>
+                </a:solidFill>
+                <a:latin typeface="+mn-lt"/>
+                <a:ea typeface="+mn-ea"/>
+                <a:cs typeface="+mn-cs"/>
+              </a:defRPr>
+            </a:lvl1pPr>
+            <a:lvl2pPr marL="685800" indent="-228600" algn="l" defTabSz="914400" rtl="0" eaLnBrk="1" latinLnBrk="1" hangingPunct="1">
+              <a:lnSpc>
+                <a:spcPct val="90000"/>
+              </a:lnSpc>
+              <a:spcBef>
+                <a:spcPts val="500"/>
+              </a:spcBef>
+              <a:buFont typeface="Arial" panose="020B0604020202020204" pitchFamily="34" charset="0"/>
+              <a:buChar char="•"/>
+              <a:defRPr sz="2400" kern="1200">
+                <a:solidFill>
+                  <a:schemeClr val="tx1"/>
+                </a:solidFill>
+                <a:latin typeface="+mn-lt"/>
+                <a:ea typeface="+mn-ea"/>
+                <a:cs typeface="+mn-cs"/>
+              </a:defRPr>
+            </a:lvl2pPr>
+            <a:lvl3pPr marL="1143000" indent="-228600" algn="l" defTabSz="914400" rtl="0" eaLnBrk="1" latinLnBrk="1" hangingPunct="1">
+              <a:lnSpc>
+                <a:spcPct val="90000"/>
+              </a:lnSpc>
+              <a:spcBef>
+                <a:spcPts val="500"/>
+              </a:spcBef>
+              <a:buFont typeface="Arial" panose="020B0604020202020204" pitchFamily="34" charset="0"/>
+              <a:buChar char="•"/>
+              <a:defRPr sz="2000" kern="1200">
+                <a:solidFill>
+                  <a:schemeClr val="tx1"/>
+                </a:solidFill>
+                <a:latin typeface="+mn-lt"/>
+                <a:ea typeface="+mn-ea"/>
+                <a:cs typeface="+mn-cs"/>
+              </a:defRPr>
+            </a:lvl3pPr>
+            <a:lvl4pPr marL="1600200" indent="-228600" algn="l" defTabSz="914400" rtl="0" eaLnBrk="1" latinLnBrk="1" hangingPunct="1">
+              <a:lnSpc>
+                <a:spcPct val="90000"/>
+              </a:lnSpc>
+              <a:spcBef>
+                <a:spcPts val="500"/>
+              </a:spcBef>
+              <a:buFont typeface="Arial" panose="020B0604020202020204" pitchFamily="34" charset="0"/>
+              <a:buChar char="•"/>
+              <a:defRPr sz="1800" kern="1200">
+                <a:solidFill>
+                  <a:schemeClr val="tx1"/>
+                </a:solidFill>
+                <a:latin typeface="+mn-lt"/>
+                <a:ea typeface="+mn-ea"/>
+                <a:cs typeface="+mn-cs"/>
+              </a:defRPr>
+            </a:lvl4pPr>
+            <a:lvl5pPr marL="2057400" indent="-228600" algn="l" defTabSz="914400" rtl="0" eaLnBrk="1" latinLnBrk="1" hangingPunct="1">
+              <a:lnSpc>
+                <a:spcPct val="90000"/>
+              </a:lnSpc>
+              <a:spcBef>
+                <a:spcPts val="500"/>
+              </a:spcBef>
+              <a:buFont typeface="Arial" panose="020B0604020202020204" pitchFamily="34" charset="0"/>
+              <a:buChar char="•"/>
+              <a:defRPr sz="1800" kern="1200">
+                <a:solidFill>
+                  <a:schemeClr val="tx1"/>
+                </a:solidFill>
+                <a:latin typeface="+mn-lt"/>
+                <a:ea typeface="+mn-ea"/>
+                <a:cs typeface="+mn-cs"/>
+              </a:defRPr>
+            </a:lvl5pPr>
+            <a:lvl6pPr marL="2514600" indent="-228600" algn="l" defTabSz="914400" rtl="0" eaLnBrk="1" latinLnBrk="1" hangingPunct="1">
+              <a:lnSpc>
+                <a:spcPct val="90000"/>
+              </a:lnSpc>
+              <a:spcBef>
+                <a:spcPts val="500"/>
+              </a:spcBef>
+              <a:buFont typeface="Arial" panose="020B0604020202020204" pitchFamily="34" charset="0"/>
+              <a:buChar char="•"/>
+              <a:defRPr sz="1800" kern="1200">
+                <a:solidFill>
+                  <a:schemeClr val="tx1"/>
+                </a:solidFill>
+                <a:latin typeface="+mn-lt"/>
+                <a:ea typeface="+mn-ea"/>
+                <a:cs typeface="+mn-cs"/>
+              </a:defRPr>
+            </a:lvl6pPr>
+            <a:lvl7pPr marL="2971800" indent="-228600" algn="l" defTabSz="914400" rtl="0" eaLnBrk="1" latinLnBrk="1" hangingPunct="1">
+              <a:lnSpc>
+                <a:spcPct val="90000"/>
+              </a:lnSpc>
+              <a:spcBef>
+                <a:spcPts val="500"/>
+              </a:spcBef>
+              <a:buFont typeface="Arial" panose="020B0604020202020204" pitchFamily="34" charset="0"/>
+              <a:buChar char="•"/>
+              <a:defRPr sz="1800" kern="1200">
+                <a:solidFill>
+                  <a:schemeClr val="tx1"/>
+                </a:solidFill>
+                <a:latin typeface="+mn-lt"/>
+                <a:ea typeface="+mn-ea"/>
+                <a:cs typeface="+mn-cs"/>
+              </a:defRPr>
+            </a:lvl7pPr>
+            <a:lvl8pPr marL="3429000" indent="-228600" algn="l" defTabSz="914400" rtl="0" eaLnBrk="1" latinLnBrk="1" hangingPunct="1">
+              <a:lnSpc>
+                <a:spcPct val="90000"/>
+              </a:lnSpc>
+              <a:spcBef>
+                <a:spcPts val="500"/>
+              </a:spcBef>
+              <a:buFont typeface="Arial" panose="020B0604020202020204" pitchFamily="34" charset="0"/>
+              <a:buChar char="•"/>
+              <a:defRPr sz="1800" kern="1200">
+                <a:solidFill>
+                  <a:schemeClr val="tx1"/>
+                </a:solidFill>
+                <a:latin typeface="+mn-lt"/>
+                <a:ea typeface="+mn-ea"/>
+                <a:cs typeface="+mn-cs"/>
+              </a:defRPr>
+            </a:lvl8pPr>
+            <a:lvl9pPr marL="3886200" indent="-228600" algn="l" defTabSz="914400" rtl="0" eaLnBrk="1" latinLnBrk="1" hangingPunct="1">
+              <a:lnSpc>
+                <a:spcPct val="90000"/>
+              </a:lnSpc>
+              <a:spcBef>
+                <a:spcPts val="500"/>
+              </a:spcBef>
+              <a:buFont typeface="Arial" panose="020B0604020202020204" pitchFamily="34" charset="0"/>
+              <a:buChar char="•"/>
+              <a:defRPr sz="1800" kern="1200">
+                <a:solidFill>
+                  <a:schemeClr val="tx1"/>
+                </a:solidFill>
+                <a:latin typeface="+mn-lt"/>
+                <a:ea typeface="+mn-ea"/>
+                <a:cs typeface="+mn-cs"/>
+              </a:defRPr>
+            </a:lvl9pPr>
+          </a:lstStyle>
+          <a:p>
+            <a:pPr marL="0" indent="0">
+              <a:buNone/>
+            </a:pPr>
+            <a:endParaRPr lang="ko-KR" altLang="en-US" dirty="0"/>
+          </a:p>
+        </p:txBody>
+      </p:sp>
+      <p:sp>
+        <p:nvSpPr>
+          <p:cNvPr id="9" name="내용 개체 틀 8">
+            <a:extLst>
+              <a:ext uri="{FF2B5EF4-FFF2-40B4-BE49-F238E27FC236}">
+                <a16:creationId xmlns:a16="http://schemas.microsoft.com/office/drawing/2014/main" id="{C8D8DFFB-21A3-D86E-7AE3-D9FE9D8E2335}"/>
+              </a:ext>
+            </a:extLst>
+          </p:cNvPr>
+          <p:cNvSpPr>
+            <a:spLocks noGrp="1"/>
+          </p:cNvSpPr>
+          <p:nvPr>
+            <p:ph idx="1"/>
+          </p:nvPr>
+        </p:nvSpPr>
+        <p:spPr/>
+        <p:txBody>
+          <a:bodyPr/>
+          <a:lstStyle/>
+          <a:p>
             <a:pPr marL="0" indent="0">
               <a:buNone/>
             </a:pPr>
@@ -7333,7 +7914,7 @@
 </p:sld>
 </file>
 
-<file path=ppt/slides/slide8.xml><?xml version="1.0" encoding="utf-8"?>
+<file path=ppt/slides/slide9.xml><?xml version="1.0" encoding="utf-8"?>
 <p:sld xmlns:a="http://schemas.openxmlformats.org/drawingml/2006/main" xmlns:r="http://schemas.openxmlformats.org/officeDocument/2006/relationships" xmlns:p="http://schemas.openxmlformats.org/presentationml/2006/main">
   <p:cSld>
     <p:spTree>

--- a/Server/2025 졸업작품 중점 연구 주제 선정.pptx
+++ b/Server/2025 졸업작품 중점 연구 주제 선정.pptx
@@ -7869,7 +7869,21 @@
             </a:r>
             <a:r>
               <a:rPr lang="ko-KR" altLang="en-US" dirty="0"/>
-              <a:t> 알고리즘에 의한 부드러운 움직임 연출</a:t>
+              <a:t> 알고리즘</a:t>
+            </a:r>
+            <a:r>
+              <a:rPr lang="en-US" altLang="ko-KR" dirty="0"/>
+              <a:t>?</a:t>
+            </a:r>
+          </a:p>
+          <a:p>
+            <a:pPr lvl="1">
+              <a:buFontTx/>
+              <a:buChar char="-"/>
+            </a:pPr>
+            <a:r>
+              <a:rPr lang="ko-KR" altLang="en-US" dirty="0"/>
+              <a:t>서버의 기량을 보여 줄 수 있다면</a:t>
             </a:r>
             <a:endParaRPr lang="en-US" altLang="ko-KR" dirty="0"/>
           </a:p>
@@ -7885,6 +7899,25 @@
             <a:endParaRPr lang="en-US" altLang="ko-KR" dirty="0"/>
           </a:p>
           <a:p>
+            <a:pPr lvl="1">
+              <a:buFontTx/>
+              <a:buChar char="-"/>
+            </a:pPr>
+            <a:r>
+              <a:rPr lang="ko-KR" altLang="en-US" dirty="0"/>
+              <a:t>우선은 </a:t>
+            </a:r>
+            <a:r>
+              <a:rPr lang="en-US" altLang="ko-KR" dirty="0"/>
+              <a:t>3-2</a:t>
+            </a:r>
+            <a:r>
+              <a:rPr lang="ko-KR" altLang="en-US" dirty="0"/>
+              <a:t>에 배우고</a:t>
+            </a:r>
+            <a:endParaRPr lang="en-US" altLang="ko-KR" dirty="0"/>
+          </a:p>
+          <a:p>
             <a:pPr>
               <a:buFontTx/>
               <a:buChar char="-"/>
@@ -7898,6 +7931,20 @@
               <a:t> 프로그래밍을 이용한 성능향상</a:t>
             </a:r>
             <a:endParaRPr lang="en-US" altLang="ko-KR" dirty="0"/>
+          </a:p>
+          <a:p>
+            <a:pPr lvl="1">
+              <a:buFontTx/>
+              <a:buChar char="-"/>
+            </a:pPr>
+            <a:r>
+              <a:rPr lang="ko-KR" altLang="en-US" dirty="0"/>
+              <a:t>필수이긴 하지만 더더욱</a:t>
+            </a:r>
+            <a:r>
+              <a:rPr lang="en-US" altLang="ko-KR" dirty="0"/>
+              <a:t>!</a:t>
+            </a:r>
           </a:p>
         </p:txBody>
       </p:sp>
